--- a/Danett Pepito - 000_91896 _ 91897 Documentation - 2150400.pptx
+++ b/Danett Pepito - 000_91896 _ 91897 Documentation - 2150400.pptx
@@ -5,7 +5,7 @@
     <p:sldMasterId id="2147483659" r:id="rId1"/>
   </p:sldMasterIdLst>
   <p:notesMasterIdLst>
-    <p:notesMasterId r:id="rId38"/>
+    <p:notesMasterId r:id="rId39"/>
   </p:notesMasterIdLst>
   <p:sldIdLst>
     <p:sldId id="256" r:id="rId2"/>
@@ -23,27 +23,28 @@
     <p:sldId id="289" r:id="rId14"/>
     <p:sldId id="259" r:id="rId15"/>
     <p:sldId id="260" r:id="rId16"/>
-    <p:sldId id="272" r:id="rId17"/>
-    <p:sldId id="273" r:id="rId18"/>
-    <p:sldId id="274" r:id="rId19"/>
-    <p:sldId id="275" r:id="rId20"/>
-    <p:sldId id="276" r:id="rId21"/>
-    <p:sldId id="277" r:id="rId22"/>
-    <p:sldId id="278" r:id="rId23"/>
-    <p:sldId id="279" r:id="rId24"/>
-    <p:sldId id="280" r:id="rId25"/>
-    <p:sldId id="281" r:id="rId26"/>
-    <p:sldId id="282" r:id="rId27"/>
-    <p:sldId id="288" r:id="rId28"/>
-    <p:sldId id="290" r:id="rId29"/>
-    <p:sldId id="292" r:id="rId30"/>
-    <p:sldId id="291" r:id="rId31"/>
-    <p:sldId id="285" r:id="rId32"/>
-    <p:sldId id="261" r:id="rId33"/>
-    <p:sldId id="284" r:id="rId34"/>
-    <p:sldId id="286" r:id="rId35"/>
-    <p:sldId id="287" r:id="rId36"/>
-    <p:sldId id="262" r:id="rId37"/>
+    <p:sldId id="294" r:id="rId17"/>
+    <p:sldId id="272" r:id="rId18"/>
+    <p:sldId id="273" r:id="rId19"/>
+    <p:sldId id="274" r:id="rId20"/>
+    <p:sldId id="275" r:id="rId21"/>
+    <p:sldId id="276" r:id="rId22"/>
+    <p:sldId id="277" r:id="rId23"/>
+    <p:sldId id="278" r:id="rId24"/>
+    <p:sldId id="279" r:id="rId25"/>
+    <p:sldId id="280" r:id="rId26"/>
+    <p:sldId id="281" r:id="rId27"/>
+    <p:sldId id="282" r:id="rId28"/>
+    <p:sldId id="288" r:id="rId29"/>
+    <p:sldId id="290" r:id="rId30"/>
+    <p:sldId id="292" r:id="rId31"/>
+    <p:sldId id="291" r:id="rId32"/>
+    <p:sldId id="285" r:id="rId33"/>
+    <p:sldId id="261" r:id="rId34"/>
+    <p:sldId id="284" r:id="rId35"/>
+    <p:sldId id="286" r:id="rId36"/>
+    <p:sldId id="287" r:id="rId37"/>
+    <p:sldId id="262" r:id="rId38"/>
   </p:sldIdLst>
   <p:sldSz cx="9144000" cy="5143500" type="screen16x9"/>
   <p:notesSz cx="6858000" cy="9144000"/>
@@ -301,6 +302,105 @@
     <p1510:client id="{C110F275-9CF3-4031-BB66-BB2F047AFD0F}" v="15" dt="2022-03-15T20:09:54.759"/>
   </p1510:revLst>
 </p1510:revInfo>
+</file>
+
+<file path=ppt/changesInfos/changesInfo1.xml><?xml version="1.0" encoding="utf-8"?>
+<pc:chgInfo xmlns:a="http://schemas.openxmlformats.org/drawingml/2006/main" xmlns:r="http://schemas.openxmlformats.org/officeDocument/2006/relationships" xmlns:ac="http://schemas.microsoft.com/office/drawing/2013/main/command" xmlns:pc="http://schemas.microsoft.com/office/powerpoint/2013/main/command">
+  <pc:docChgLst>
+    <pc:chgData name="Danett Pepito" userId="ddef1e2176689e9a" providerId="LiveId" clId="{B2185394-3AFD-42B2-9285-3B672C598A56}"/>
+    <pc:docChg chg="custSel addSld delSld modSld">
+      <pc:chgData name="Danett Pepito" userId="ddef1e2176689e9a" providerId="LiveId" clId="{B2185394-3AFD-42B2-9285-3B672C598A56}" dt="2022-03-15T20:32:32.185" v="143" actId="1076"/>
+      <pc:docMkLst>
+        <pc:docMk/>
+      </pc:docMkLst>
+      <pc:sldChg chg="addSp modSp mod">
+        <pc:chgData name="Danett Pepito" userId="ddef1e2176689e9a" providerId="LiveId" clId="{B2185394-3AFD-42B2-9285-3B672C598A56}" dt="2022-03-15T20:30:31.773" v="127" actId="1076"/>
+        <pc:sldMkLst>
+          <pc:docMk/>
+          <pc:sldMk cId="0" sldId="260"/>
+        </pc:sldMkLst>
+        <pc:spChg chg="mod">
+          <ac:chgData name="Danett Pepito" userId="ddef1e2176689e9a" providerId="LiveId" clId="{B2185394-3AFD-42B2-9285-3B672C598A56}" dt="2022-03-15T20:29:33.313" v="10" actId="1076"/>
+          <ac:spMkLst>
+            <pc:docMk/>
+            <pc:sldMk cId="0" sldId="260"/>
+            <ac:spMk id="78" creationId="{00000000-0000-0000-0000-000000000000}"/>
+          </ac:spMkLst>
+        </pc:spChg>
+        <pc:graphicFrameChg chg="mod modGraphic">
+          <ac:chgData name="Danett Pepito" userId="ddef1e2176689e9a" providerId="LiveId" clId="{B2185394-3AFD-42B2-9285-3B672C598A56}" dt="2022-03-15T20:30:30.040" v="126" actId="1076"/>
+          <ac:graphicFrameMkLst>
+            <pc:docMk/>
+            <pc:sldMk cId="0" sldId="260"/>
+            <ac:graphicFrameMk id="79" creationId="{00000000-0000-0000-0000-000000000000}"/>
+          </ac:graphicFrameMkLst>
+        </pc:graphicFrameChg>
+        <pc:picChg chg="add mod">
+          <ac:chgData name="Danett Pepito" userId="ddef1e2176689e9a" providerId="LiveId" clId="{B2185394-3AFD-42B2-9285-3B672C598A56}" dt="2022-03-15T20:29:59.366" v="22" actId="1076"/>
+          <ac:picMkLst>
+            <pc:docMk/>
+            <pc:sldMk cId="0" sldId="260"/>
+            <ac:picMk id="3" creationId="{1ABFC708-2EF5-4826-97A3-7137EF0DC93F}"/>
+          </ac:picMkLst>
+        </pc:picChg>
+        <pc:picChg chg="mod">
+          <ac:chgData name="Danett Pepito" userId="ddef1e2176689e9a" providerId="LiveId" clId="{B2185394-3AFD-42B2-9285-3B672C598A56}" dt="2022-03-15T20:29:29.748" v="9" actId="14100"/>
+          <ac:picMkLst>
+            <pc:docMk/>
+            <pc:sldMk cId="0" sldId="260"/>
+            <ac:picMk id="4" creationId="{F2D9858D-573C-418A-940C-1758888239B7}"/>
+          </ac:picMkLst>
+        </pc:picChg>
+        <pc:picChg chg="add mod">
+          <ac:chgData name="Danett Pepito" userId="ddef1e2176689e9a" providerId="LiveId" clId="{B2185394-3AFD-42B2-9285-3B672C598A56}" dt="2022-03-15T20:30:31.773" v="127" actId="1076"/>
+          <ac:picMkLst>
+            <pc:docMk/>
+            <pc:sldMk cId="0" sldId="260"/>
+            <ac:picMk id="6" creationId="{81680A84-6532-45CE-B533-D6BEC1FD16E4}"/>
+          </ac:picMkLst>
+        </pc:picChg>
+      </pc:sldChg>
+      <pc:sldChg chg="addSp delSp modSp add mod">
+        <pc:chgData name="Danett Pepito" userId="ddef1e2176689e9a" providerId="LiveId" clId="{B2185394-3AFD-42B2-9285-3B672C598A56}" dt="2022-03-15T20:32:32.185" v="143" actId="1076"/>
+        <pc:sldMkLst>
+          <pc:docMk/>
+          <pc:sldMk cId="420956058" sldId="294"/>
+        </pc:sldMkLst>
+        <pc:spChg chg="mod">
+          <ac:chgData name="Danett Pepito" userId="ddef1e2176689e9a" providerId="LiveId" clId="{B2185394-3AFD-42B2-9285-3B672C598A56}" dt="2022-03-15T20:31:09.423" v="138" actId="20577"/>
+          <ac:spMkLst>
+            <pc:docMk/>
+            <pc:sldMk cId="420956058" sldId="294"/>
+            <ac:spMk id="73" creationId="{00000000-0000-0000-0000-000000000000}"/>
+          </ac:spMkLst>
+        </pc:spChg>
+        <pc:picChg chg="del">
+          <ac:chgData name="Danett Pepito" userId="ddef1e2176689e9a" providerId="LiveId" clId="{B2185394-3AFD-42B2-9285-3B672C598A56}" dt="2022-03-15T20:31:14.143" v="140" actId="478"/>
+          <ac:picMkLst>
+            <pc:docMk/>
+            <pc:sldMk cId="420956058" sldId="294"/>
+            <ac:picMk id="4" creationId="{A347C555-1755-4EF7-A684-AFBD86A74A88}"/>
+          </ac:picMkLst>
+        </pc:picChg>
+        <pc:picChg chg="add mod">
+          <ac:chgData name="Danett Pepito" userId="ddef1e2176689e9a" providerId="LiveId" clId="{B2185394-3AFD-42B2-9285-3B672C598A56}" dt="2022-03-15T20:32:32.185" v="143" actId="1076"/>
+          <ac:picMkLst>
+            <pc:docMk/>
+            <pc:sldMk cId="420956058" sldId="294"/>
+            <ac:picMk id="5" creationId="{7DAF6143-1212-4864-A19C-3864D75B5211}"/>
+          </ac:picMkLst>
+        </pc:picChg>
+      </pc:sldChg>
+      <pc:sldChg chg="add del replId">
+        <pc:chgData name="Danett Pepito" userId="ddef1e2176689e9a" providerId="LiveId" clId="{B2185394-3AFD-42B2-9285-3B672C598A56}" dt="2022-03-15T20:31:12.342" v="139" actId="47"/>
+        <pc:sldMkLst>
+          <pc:docMk/>
+          <pc:sldMk cId="3468423955" sldId="295"/>
+        </pc:sldMkLst>
+      </pc:sldChg>
+    </pc:docChg>
+  </pc:docChgLst>
+</pc:chgInfo>
 </file>
 
 <file path=ppt/notesMasters/notesMaster1.xml><?xml version="1.0" encoding="utf-8"?>
@@ -853,6 +953,115 @@
   <p:cSld>
     <p:spTree>
       <p:nvGrpSpPr>
+        <p:cNvPr id="1" name="Shape 74"/>
+        <p:cNvGrpSpPr/>
+        <p:nvPr/>
+      </p:nvGrpSpPr>
+      <p:grpSpPr>
+        <a:xfrm>
+          <a:off x="0" y="0"/>
+          <a:ext cx="0" cy="0"/>
+          <a:chOff x="0" y="0"/>
+          <a:chExt cx="0" cy="0"/>
+        </a:xfrm>
+      </p:grpSpPr>
+      <p:sp>
+        <p:nvSpPr>
+          <p:cNvPr id="75" name="Google Shape;75;gac10fef634_0_20:notes"/>
+          <p:cNvSpPr>
+            <a:spLocks noGrp="1" noRot="1" noChangeAspect="1"/>
+          </p:cNvSpPr>
+          <p:nvPr>
+            <p:ph type="sldImg" idx="2"/>
+          </p:nvPr>
+        </p:nvSpPr>
+        <p:spPr>
+          <a:xfrm>
+            <a:off x="381000" y="685800"/>
+            <a:ext cx="6096000" cy="3429000"/>
+          </a:xfrm>
+          <a:custGeom>
+            <a:avLst/>
+            <a:gdLst/>
+            <a:ahLst/>
+            <a:cxnLst/>
+            <a:rect l="l" t="t" r="r" b="b"/>
+            <a:pathLst>
+              <a:path w="120000" h="120000" extrusionOk="0">
+                <a:moveTo>
+                  <a:pt x="0" y="0"/>
+                </a:moveTo>
+                <a:lnTo>
+                  <a:pt x="120000" y="0"/>
+                </a:lnTo>
+                <a:lnTo>
+                  <a:pt x="120000" y="120000"/>
+                </a:lnTo>
+                <a:lnTo>
+                  <a:pt x="0" y="120000"/>
+                </a:lnTo>
+                <a:close/>
+              </a:path>
+            </a:pathLst>
+          </a:custGeom>
+        </p:spPr>
+      </p:sp>
+      <p:sp>
+        <p:nvSpPr>
+          <p:cNvPr id="76" name="Google Shape;76;gac10fef634_0_20:notes"/>
+          <p:cNvSpPr txBox="1">
+            <a:spLocks noGrp="1"/>
+          </p:cNvSpPr>
+          <p:nvPr>
+            <p:ph type="body" idx="1"/>
+          </p:nvPr>
+        </p:nvSpPr>
+        <p:spPr>
+          <a:xfrm>
+            <a:off x="685800" y="4343400"/>
+            <a:ext cx="5486400" cy="4114800"/>
+          </a:xfrm>
+          <a:prstGeom prst="rect">
+            <a:avLst/>
+          </a:prstGeom>
+        </p:spPr>
+        <p:txBody>
+          <a:bodyPr spcFirstLastPara="1" wrap="square" lIns="91425" tIns="91425" rIns="91425" bIns="91425" anchor="t" anchorCtr="0">
+            <a:noAutofit/>
+          </a:bodyPr>
+          <a:lstStyle/>
+          <a:p>
+            <a:pPr marL="0" lvl="0" indent="0" algn="l" rtl="0">
+              <a:spcBef>
+                <a:spcPts val="0"/>
+              </a:spcBef>
+              <a:spcAft>
+                <a:spcPts val="0"/>
+              </a:spcAft>
+              <a:buNone/>
+            </a:pPr>
+            <a:endParaRPr/>
+          </a:p>
+        </p:txBody>
+      </p:sp>
+    </p:spTree>
+    <p:extLst>
+      <p:ext uri="{BB962C8B-B14F-4D97-AF65-F5344CB8AC3E}">
+        <p14:creationId xmlns:p14="http://schemas.microsoft.com/office/powerpoint/2010/main" val="3059957658"/>
+      </p:ext>
+    </p:extLst>
+  </p:cSld>
+  <p:clrMapOvr>
+    <a:masterClrMapping/>
+  </p:clrMapOvr>
+</p:notes>
+</file>
+
+<file path=ppt/notesSlides/notesSlide11.xml><?xml version="1.0" encoding="utf-8"?>
+<p:notes xmlns:a="http://schemas.openxmlformats.org/drawingml/2006/main" xmlns:r="http://schemas.openxmlformats.org/officeDocument/2006/relationships" xmlns:p="http://schemas.openxmlformats.org/presentationml/2006/main" showMasterSp="0" showMasterPhAnim="0">
+  <p:cSld>
+    <p:spTree>
+      <p:nvGrpSpPr>
         <p:cNvPr id="1" name="Shape 69"/>
         <p:cNvGrpSpPr/>
         <p:nvPr/>
@@ -957,7 +1166,7 @@
 </p:notes>
 </file>
 
-<file path=ppt/notesSlides/notesSlide11.xml><?xml version="1.0" encoding="utf-8"?>
+<file path=ppt/notesSlides/notesSlide12.xml><?xml version="1.0" encoding="utf-8"?>
 <p:notes xmlns:a="http://schemas.openxmlformats.org/drawingml/2006/main" xmlns:r="http://schemas.openxmlformats.org/officeDocument/2006/relationships" xmlns:p="http://schemas.openxmlformats.org/presentationml/2006/main" showMasterSp="0" showMasterPhAnim="0">
   <p:cSld>
     <p:spTree>
@@ -1066,7 +1275,7 @@
 </p:notes>
 </file>
 
-<file path=ppt/notesSlides/notesSlide12.xml><?xml version="1.0" encoding="utf-8"?>
+<file path=ppt/notesSlides/notesSlide13.xml><?xml version="1.0" encoding="utf-8"?>
 <p:notes xmlns:a="http://schemas.openxmlformats.org/drawingml/2006/main" xmlns:r="http://schemas.openxmlformats.org/officeDocument/2006/relationships" xmlns:p="http://schemas.openxmlformats.org/presentationml/2006/main" showMasterSp="0" showMasterPhAnim="0">
   <p:cSld>
     <p:spTree>
@@ -1175,7 +1384,7 @@
 </p:notes>
 </file>
 
-<file path=ppt/notesSlides/notesSlide13.xml><?xml version="1.0" encoding="utf-8"?>
+<file path=ppt/notesSlides/notesSlide14.xml><?xml version="1.0" encoding="utf-8"?>
 <p:notes xmlns:a="http://schemas.openxmlformats.org/drawingml/2006/main" xmlns:r="http://schemas.openxmlformats.org/officeDocument/2006/relationships" xmlns:p="http://schemas.openxmlformats.org/presentationml/2006/main" showMasterSp="0" showMasterPhAnim="0">
   <p:cSld>
     <p:spTree>
@@ -1284,7 +1493,7 @@
 </p:notes>
 </file>
 
-<file path=ppt/notesSlides/notesSlide14.xml><?xml version="1.0" encoding="utf-8"?>
+<file path=ppt/notesSlides/notesSlide15.xml><?xml version="1.0" encoding="utf-8"?>
 <p:notes xmlns:a="http://schemas.openxmlformats.org/drawingml/2006/main" xmlns:r="http://schemas.openxmlformats.org/officeDocument/2006/relationships" xmlns:p="http://schemas.openxmlformats.org/presentationml/2006/main" showMasterSp="0" showMasterPhAnim="0">
   <p:cSld>
     <p:spTree>
@@ -1393,7 +1602,7 @@
 </p:notes>
 </file>
 
-<file path=ppt/notesSlides/notesSlide15.xml><?xml version="1.0" encoding="utf-8"?>
+<file path=ppt/notesSlides/notesSlide16.xml><?xml version="1.0" encoding="utf-8"?>
 <p:notes xmlns:a="http://schemas.openxmlformats.org/drawingml/2006/main" xmlns:r="http://schemas.openxmlformats.org/officeDocument/2006/relationships" xmlns:p="http://schemas.openxmlformats.org/presentationml/2006/main" showMasterSp="0" showMasterPhAnim="0">
   <p:cSld>
     <p:spTree>
@@ -1493,115 +1702,6 @@
     <p:extLst>
       <p:ext uri="{BB962C8B-B14F-4D97-AF65-F5344CB8AC3E}">
         <p14:creationId xmlns:p14="http://schemas.microsoft.com/office/powerpoint/2010/main" val="3494323208"/>
-      </p:ext>
-    </p:extLst>
-  </p:cSld>
-  <p:clrMapOvr>
-    <a:masterClrMapping/>
-  </p:clrMapOvr>
-</p:notes>
-</file>
-
-<file path=ppt/notesSlides/notesSlide16.xml><?xml version="1.0" encoding="utf-8"?>
-<p:notes xmlns:a="http://schemas.openxmlformats.org/drawingml/2006/main" xmlns:r="http://schemas.openxmlformats.org/officeDocument/2006/relationships" xmlns:p="http://schemas.openxmlformats.org/presentationml/2006/main" showMasterSp="0" showMasterPhAnim="0">
-  <p:cSld>
-    <p:spTree>
-      <p:nvGrpSpPr>
-        <p:cNvPr id="1" name="Shape 69"/>
-        <p:cNvGrpSpPr/>
-        <p:nvPr/>
-      </p:nvGrpSpPr>
-      <p:grpSpPr>
-        <a:xfrm>
-          <a:off x="0" y="0"/>
-          <a:ext cx="0" cy="0"/>
-          <a:chOff x="0" y="0"/>
-          <a:chExt cx="0" cy="0"/>
-        </a:xfrm>
-      </p:grpSpPr>
-      <p:sp>
-        <p:nvSpPr>
-          <p:cNvPr id="70" name="Google Shape;70;gac10fef634_0_16:notes"/>
-          <p:cNvSpPr>
-            <a:spLocks noGrp="1" noRot="1" noChangeAspect="1"/>
-          </p:cNvSpPr>
-          <p:nvPr>
-            <p:ph type="sldImg" idx="2"/>
-          </p:nvPr>
-        </p:nvSpPr>
-        <p:spPr>
-          <a:xfrm>
-            <a:off x="381000" y="685800"/>
-            <a:ext cx="6096000" cy="3429000"/>
-          </a:xfrm>
-          <a:custGeom>
-            <a:avLst/>
-            <a:gdLst/>
-            <a:ahLst/>
-            <a:cxnLst/>
-            <a:rect l="l" t="t" r="r" b="b"/>
-            <a:pathLst>
-              <a:path w="120000" h="120000" extrusionOk="0">
-                <a:moveTo>
-                  <a:pt x="0" y="0"/>
-                </a:moveTo>
-                <a:lnTo>
-                  <a:pt x="120000" y="0"/>
-                </a:lnTo>
-                <a:lnTo>
-                  <a:pt x="120000" y="120000"/>
-                </a:lnTo>
-                <a:lnTo>
-                  <a:pt x="0" y="120000"/>
-                </a:lnTo>
-                <a:close/>
-              </a:path>
-            </a:pathLst>
-          </a:custGeom>
-        </p:spPr>
-      </p:sp>
-      <p:sp>
-        <p:nvSpPr>
-          <p:cNvPr id="71" name="Google Shape;71;gac10fef634_0_16:notes"/>
-          <p:cNvSpPr txBox="1">
-            <a:spLocks noGrp="1"/>
-          </p:cNvSpPr>
-          <p:nvPr>
-            <p:ph type="body" idx="1"/>
-          </p:nvPr>
-        </p:nvSpPr>
-        <p:spPr>
-          <a:xfrm>
-            <a:off x="685800" y="4343400"/>
-            <a:ext cx="5486400" cy="4114800"/>
-          </a:xfrm>
-          <a:prstGeom prst="rect">
-            <a:avLst/>
-          </a:prstGeom>
-        </p:spPr>
-        <p:txBody>
-          <a:bodyPr spcFirstLastPara="1" wrap="square" lIns="91425" tIns="91425" rIns="91425" bIns="91425" anchor="t" anchorCtr="0">
-            <a:noAutofit/>
-          </a:bodyPr>
-          <a:lstStyle/>
-          <a:p>
-            <a:pPr marL="0" lvl="0" indent="0" algn="l" rtl="0">
-              <a:spcBef>
-                <a:spcPts val="0"/>
-              </a:spcBef>
-              <a:spcAft>
-                <a:spcPts val="0"/>
-              </a:spcAft>
-              <a:buNone/>
-            </a:pPr>
-            <a:endParaRPr/>
-          </a:p>
-        </p:txBody>
-      </p:sp>
-    </p:spTree>
-    <p:extLst>
-      <p:ext uri="{BB962C8B-B14F-4D97-AF65-F5344CB8AC3E}">
-        <p14:creationId xmlns:p14="http://schemas.microsoft.com/office/powerpoint/2010/main" val="3006313543"/>
       </p:ext>
     </p:extLst>
   </p:cSld>
@@ -1710,7 +1810,7 @@
     </p:spTree>
     <p:extLst>
       <p:ext uri="{BB962C8B-B14F-4D97-AF65-F5344CB8AC3E}">
-        <p14:creationId xmlns:p14="http://schemas.microsoft.com/office/powerpoint/2010/main" val="2149026663"/>
+        <p14:creationId xmlns:p14="http://schemas.microsoft.com/office/powerpoint/2010/main" val="3006313543"/>
       </p:ext>
     </p:extLst>
   </p:cSld>
@@ -1819,7 +1919,7 @@
     </p:spTree>
     <p:extLst>
       <p:ext uri="{BB962C8B-B14F-4D97-AF65-F5344CB8AC3E}">
-        <p14:creationId xmlns:p14="http://schemas.microsoft.com/office/powerpoint/2010/main" val="3194274356"/>
+        <p14:creationId xmlns:p14="http://schemas.microsoft.com/office/powerpoint/2010/main" val="2149026663"/>
       </p:ext>
     </p:extLst>
   </p:cSld>
@@ -1928,7 +2028,7 @@
     </p:spTree>
     <p:extLst>
       <p:ext uri="{BB962C8B-B14F-4D97-AF65-F5344CB8AC3E}">
-        <p14:creationId xmlns:p14="http://schemas.microsoft.com/office/powerpoint/2010/main" val="3014292639"/>
+        <p14:creationId xmlns:p14="http://schemas.microsoft.com/office/powerpoint/2010/main" val="3194274356"/>
       </p:ext>
     </p:extLst>
   </p:cSld>
@@ -2052,7 +2152,7 @@
   <p:cSld>
     <p:spTree>
       <p:nvGrpSpPr>
-        <p:cNvPr id="1" name="Shape 80"/>
+        <p:cNvPr id="1" name="Shape 69"/>
         <p:cNvGrpSpPr/>
         <p:nvPr/>
       </p:nvGrpSpPr>
@@ -2066,7 +2166,7 @@
       </p:grpSpPr>
       <p:sp>
         <p:nvSpPr>
-          <p:cNvPr id="81" name="Google Shape;81;gac10fef634_0_25:notes"/>
+          <p:cNvPr id="70" name="Google Shape;70;gac10fef634_0_16:notes"/>
           <p:cNvSpPr>
             <a:spLocks noGrp="1" noRot="1" noChangeAspect="1"/>
           </p:cNvSpPr>
@@ -2107,7 +2207,7 @@
       </p:sp>
       <p:sp>
         <p:nvSpPr>
-          <p:cNvPr id="82" name="Google Shape;82;gac10fef634_0_25:notes"/>
+          <p:cNvPr id="71" name="Google Shape;71;gac10fef634_0_16:notes"/>
           <p:cNvSpPr txBox="1">
             <a:spLocks noGrp="1"/>
           </p:cNvSpPr>
@@ -2137,27 +2237,6 @@
               <a:spcAft>
                 <a:spcPts val="0"/>
               </a:spcAft>
-              <a:buClr>
-                <a:schemeClr val="dk1"/>
-              </a:buClr>
-              <a:buSzPts val="1100"/>
-              <a:buFont typeface="Arial"/>
-              <a:buNone/>
-            </a:pPr>
-            <a:r>
-              <a:rPr lang="en"/>
-              <a:t>Your version control evidence should go here.  This could be in the form of annotated screenshots which show you you managed this process or you could make a brief screencast explaining how you implemented version control.</a:t>
-            </a:r>
-            <a:endParaRPr/>
-          </a:p>
-          <a:p>
-            <a:pPr marL="0" lvl="0" indent="0" algn="l" rtl="0">
-              <a:spcBef>
-                <a:spcPts val="0"/>
-              </a:spcBef>
-              <a:spcAft>
-                <a:spcPts val="0"/>
-              </a:spcAft>
               <a:buNone/>
             </a:pPr>
             <a:endParaRPr/>
@@ -2165,6 +2244,11 @@
         </p:txBody>
       </p:sp>
     </p:spTree>
+    <p:extLst>
+      <p:ext uri="{BB962C8B-B14F-4D97-AF65-F5344CB8AC3E}">
+        <p14:creationId xmlns:p14="http://schemas.microsoft.com/office/powerpoint/2010/main" val="3014292639"/>
+      </p:ext>
+    </p:extLst>
   </p:cSld>
   <p:clrMapOvr>
     <a:masterClrMapping/>
@@ -2290,11 +2374,6 @@
         </p:txBody>
       </p:sp>
     </p:spTree>
-    <p:extLst>
-      <p:ext uri="{BB962C8B-B14F-4D97-AF65-F5344CB8AC3E}">
-        <p14:creationId xmlns:p14="http://schemas.microsoft.com/office/powerpoint/2010/main" val="511959585"/>
-      </p:ext>
-    </p:extLst>
   </p:cSld>
   <p:clrMapOvr>
     <a:masterClrMapping/>
@@ -2422,6 +2501,136 @@
     </p:spTree>
     <p:extLst>
       <p:ext uri="{BB962C8B-B14F-4D97-AF65-F5344CB8AC3E}">
+        <p14:creationId xmlns:p14="http://schemas.microsoft.com/office/powerpoint/2010/main" val="511959585"/>
+      </p:ext>
+    </p:extLst>
+  </p:cSld>
+  <p:clrMapOvr>
+    <a:masterClrMapping/>
+  </p:clrMapOvr>
+</p:notes>
+</file>
+
+<file path=ppt/notesSlides/notesSlide23.xml><?xml version="1.0" encoding="utf-8"?>
+<p:notes xmlns:a="http://schemas.openxmlformats.org/drawingml/2006/main" xmlns:r="http://schemas.openxmlformats.org/officeDocument/2006/relationships" xmlns:p="http://schemas.openxmlformats.org/presentationml/2006/main" showMasterSp="0" showMasterPhAnim="0">
+  <p:cSld>
+    <p:spTree>
+      <p:nvGrpSpPr>
+        <p:cNvPr id="1" name="Shape 80"/>
+        <p:cNvGrpSpPr/>
+        <p:nvPr/>
+      </p:nvGrpSpPr>
+      <p:grpSpPr>
+        <a:xfrm>
+          <a:off x="0" y="0"/>
+          <a:ext cx="0" cy="0"/>
+          <a:chOff x="0" y="0"/>
+          <a:chExt cx="0" cy="0"/>
+        </a:xfrm>
+      </p:grpSpPr>
+      <p:sp>
+        <p:nvSpPr>
+          <p:cNvPr id="81" name="Google Shape;81;gac10fef634_0_25:notes"/>
+          <p:cNvSpPr>
+            <a:spLocks noGrp="1" noRot="1" noChangeAspect="1"/>
+          </p:cNvSpPr>
+          <p:nvPr>
+            <p:ph type="sldImg" idx="2"/>
+          </p:nvPr>
+        </p:nvSpPr>
+        <p:spPr>
+          <a:xfrm>
+            <a:off x="381000" y="685800"/>
+            <a:ext cx="6096000" cy="3429000"/>
+          </a:xfrm>
+          <a:custGeom>
+            <a:avLst/>
+            <a:gdLst/>
+            <a:ahLst/>
+            <a:cxnLst/>
+            <a:rect l="l" t="t" r="r" b="b"/>
+            <a:pathLst>
+              <a:path w="120000" h="120000" extrusionOk="0">
+                <a:moveTo>
+                  <a:pt x="0" y="0"/>
+                </a:moveTo>
+                <a:lnTo>
+                  <a:pt x="120000" y="0"/>
+                </a:lnTo>
+                <a:lnTo>
+                  <a:pt x="120000" y="120000"/>
+                </a:lnTo>
+                <a:lnTo>
+                  <a:pt x="0" y="120000"/>
+                </a:lnTo>
+                <a:close/>
+              </a:path>
+            </a:pathLst>
+          </a:custGeom>
+        </p:spPr>
+      </p:sp>
+      <p:sp>
+        <p:nvSpPr>
+          <p:cNvPr id="82" name="Google Shape;82;gac10fef634_0_25:notes"/>
+          <p:cNvSpPr txBox="1">
+            <a:spLocks noGrp="1"/>
+          </p:cNvSpPr>
+          <p:nvPr>
+            <p:ph type="body" idx="1"/>
+          </p:nvPr>
+        </p:nvSpPr>
+        <p:spPr>
+          <a:xfrm>
+            <a:off x="685800" y="4343400"/>
+            <a:ext cx="5486400" cy="4114800"/>
+          </a:xfrm>
+          <a:prstGeom prst="rect">
+            <a:avLst/>
+          </a:prstGeom>
+        </p:spPr>
+        <p:txBody>
+          <a:bodyPr spcFirstLastPara="1" wrap="square" lIns="91425" tIns="91425" rIns="91425" bIns="91425" anchor="t" anchorCtr="0">
+            <a:noAutofit/>
+          </a:bodyPr>
+          <a:lstStyle/>
+          <a:p>
+            <a:pPr marL="0" lvl="0" indent="0" algn="l" rtl="0">
+              <a:spcBef>
+                <a:spcPts val="0"/>
+              </a:spcBef>
+              <a:spcAft>
+                <a:spcPts val="0"/>
+              </a:spcAft>
+              <a:buClr>
+                <a:schemeClr val="dk1"/>
+              </a:buClr>
+              <a:buSzPts val="1100"/>
+              <a:buFont typeface="Arial"/>
+              <a:buNone/>
+            </a:pPr>
+            <a:r>
+              <a:rPr lang="en"/>
+              <a:t>Your version control evidence should go here.  This could be in the form of annotated screenshots which show you you managed this process or you could make a brief screencast explaining how you implemented version control.</a:t>
+            </a:r>
+            <a:endParaRPr/>
+          </a:p>
+          <a:p>
+            <a:pPr marL="0" lvl="0" indent="0" algn="l" rtl="0">
+              <a:spcBef>
+                <a:spcPts val="0"/>
+              </a:spcBef>
+              <a:spcAft>
+                <a:spcPts val="0"/>
+              </a:spcAft>
+              <a:buNone/>
+            </a:pPr>
+            <a:endParaRPr/>
+          </a:p>
+        </p:txBody>
+      </p:sp>
+    </p:spTree>
+    <p:extLst>
+      <p:ext uri="{BB962C8B-B14F-4D97-AF65-F5344CB8AC3E}">
         <p14:creationId xmlns:p14="http://schemas.microsoft.com/office/powerpoint/2010/main" val="3815843750"/>
       </p:ext>
     </p:extLst>
@@ -2432,7 +2641,7 @@
 </p:notes>
 </file>
 
-<file path=ppt/notesSlides/notesSlide23.xml><?xml version="1.0" encoding="utf-8"?>
+<file path=ppt/notesSlides/notesSlide24.xml><?xml version="1.0" encoding="utf-8"?>
 <p:notes xmlns:a="http://schemas.openxmlformats.org/drawingml/2006/main" xmlns:r="http://schemas.openxmlformats.org/officeDocument/2006/relationships" xmlns:p="http://schemas.openxmlformats.org/presentationml/2006/main" showMasterSp="0" showMasterPhAnim="0">
   <p:cSld>
     <p:spTree>
@@ -2972,6 +3181,115 @@
     </p:spTree>
     <p:extLst>
       <p:ext uri="{BB962C8B-B14F-4D97-AF65-F5344CB8AC3E}">
+        <p14:creationId xmlns:p14="http://schemas.microsoft.com/office/powerpoint/2010/main" val="3178048879"/>
+      </p:ext>
+    </p:extLst>
+  </p:cSld>
+  <p:clrMapOvr>
+    <a:masterClrMapping/>
+  </p:clrMapOvr>
+</p:notes>
+</file>
+
+<file path=ppt/notesSlides/notesSlide7.xml><?xml version="1.0" encoding="utf-8"?>
+<p:notes xmlns:a="http://schemas.openxmlformats.org/drawingml/2006/main" xmlns:r="http://schemas.openxmlformats.org/officeDocument/2006/relationships" xmlns:p="http://schemas.openxmlformats.org/presentationml/2006/main" showMasterSp="0" showMasterPhAnim="0">
+  <p:cSld>
+    <p:spTree>
+      <p:nvGrpSpPr>
+        <p:cNvPr id="1" name="Shape 69"/>
+        <p:cNvGrpSpPr/>
+        <p:nvPr/>
+      </p:nvGrpSpPr>
+      <p:grpSpPr>
+        <a:xfrm>
+          <a:off x="0" y="0"/>
+          <a:ext cx="0" cy="0"/>
+          <a:chOff x="0" y="0"/>
+          <a:chExt cx="0" cy="0"/>
+        </a:xfrm>
+      </p:grpSpPr>
+      <p:sp>
+        <p:nvSpPr>
+          <p:cNvPr id="70" name="Google Shape;70;gac10fef634_0_16:notes"/>
+          <p:cNvSpPr>
+            <a:spLocks noGrp="1" noRot="1" noChangeAspect="1"/>
+          </p:cNvSpPr>
+          <p:nvPr>
+            <p:ph type="sldImg" idx="2"/>
+          </p:nvPr>
+        </p:nvSpPr>
+        <p:spPr>
+          <a:xfrm>
+            <a:off x="381000" y="685800"/>
+            <a:ext cx="6096000" cy="3429000"/>
+          </a:xfrm>
+          <a:custGeom>
+            <a:avLst/>
+            <a:gdLst/>
+            <a:ahLst/>
+            <a:cxnLst/>
+            <a:rect l="l" t="t" r="r" b="b"/>
+            <a:pathLst>
+              <a:path w="120000" h="120000" extrusionOk="0">
+                <a:moveTo>
+                  <a:pt x="0" y="0"/>
+                </a:moveTo>
+                <a:lnTo>
+                  <a:pt x="120000" y="0"/>
+                </a:lnTo>
+                <a:lnTo>
+                  <a:pt x="120000" y="120000"/>
+                </a:lnTo>
+                <a:lnTo>
+                  <a:pt x="0" y="120000"/>
+                </a:lnTo>
+                <a:close/>
+              </a:path>
+            </a:pathLst>
+          </a:custGeom>
+        </p:spPr>
+      </p:sp>
+      <p:sp>
+        <p:nvSpPr>
+          <p:cNvPr id="71" name="Google Shape;71;gac10fef634_0_16:notes"/>
+          <p:cNvSpPr txBox="1">
+            <a:spLocks noGrp="1"/>
+          </p:cNvSpPr>
+          <p:nvPr>
+            <p:ph type="body" idx="1"/>
+          </p:nvPr>
+        </p:nvSpPr>
+        <p:spPr>
+          <a:xfrm>
+            <a:off x="685800" y="4343400"/>
+            <a:ext cx="5486400" cy="4114800"/>
+          </a:xfrm>
+          <a:prstGeom prst="rect">
+            <a:avLst/>
+          </a:prstGeom>
+        </p:spPr>
+        <p:txBody>
+          <a:bodyPr spcFirstLastPara="1" wrap="square" lIns="91425" tIns="91425" rIns="91425" bIns="91425" anchor="t" anchorCtr="0">
+            <a:noAutofit/>
+          </a:bodyPr>
+          <a:lstStyle/>
+          <a:p>
+            <a:pPr marL="0" lvl="0" indent="0" algn="l" rtl="0">
+              <a:spcBef>
+                <a:spcPts val="0"/>
+              </a:spcBef>
+              <a:spcAft>
+                <a:spcPts val="0"/>
+              </a:spcAft>
+              <a:buNone/>
+            </a:pPr>
+            <a:endParaRPr/>
+          </a:p>
+        </p:txBody>
+      </p:sp>
+    </p:spTree>
+    <p:extLst>
+      <p:ext uri="{BB962C8B-B14F-4D97-AF65-F5344CB8AC3E}">
         <p14:creationId xmlns:p14="http://schemas.microsoft.com/office/powerpoint/2010/main" val="2133707436"/>
       </p:ext>
     </p:extLst>
@@ -2982,7 +3300,7 @@
 </p:notes>
 </file>
 
-<file path=ppt/notesSlides/notesSlide7.xml><?xml version="1.0" encoding="utf-8"?>
+<file path=ppt/notesSlides/notesSlide8.xml><?xml version="1.0" encoding="utf-8"?>
 <p:notes xmlns:a="http://schemas.openxmlformats.org/drawingml/2006/main" xmlns:r="http://schemas.openxmlformats.org/officeDocument/2006/relationships" xmlns:p="http://schemas.openxmlformats.org/presentationml/2006/main" showMasterSp="0" showMasterPhAnim="0">
   <p:cSld>
     <p:spTree>
@@ -3091,7 +3409,7 @@
 </p:notes>
 </file>
 
-<file path=ppt/notesSlides/notesSlide8.xml><?xml version="1.0" encoding="utf-8"?>
+<file path=ppt/notesSlides/notesSlide9.xml><?xml version="1.0" encoding="utf-8"?>
 <p:notes xmlns:a="http://schemas.openxmlformats.org/drawingml/2006/main" xmlns:r="http://schemas.openxmlformats.org/officeDocument/2006/relationships" xmlns:p="http://schemas.openxmlformats.org/presentationml/2006/main" showMasterSp="0" showMasterPhAnim="0">
   <p:cSld>
     <p:spTree>
@@ -3191,115 +3509,6 @@
     <p:extLst>
       <p:ext uri="{BB962C8B-B14F-4D97-AF65-F5344CB8AC3E}">
         <p14:creationId xmlns:p14="http://schemas.microsoft.com/office/powerpoint/2010/main" val="3145666181"/>
-      </p:ext>
-    </p:extLst>
-  </p:cSld>
-  <p:clrMapOvr>
-    <a:masterClrMapping/>
-  </p:clrMapOvr>
-</p:notes>
-</file>
-
-<file path=ppt/notesSlides/notesSlide9.xml><?xml version="1.0" encoding="utf-8"?>
-<p:notes xmlns:a="http://schemas.openxmlformats.org/drawingml/2006/main" xmlns:r="http://schemas.openxmlformats.org/officeDocument/2006/relationships" xmlns:p="http://schemas.openxmlformats.org/presentationml/2006/main" showMasterSp="0" showMasterPhAnim="0">
-  <p:cSld>
-    <p:spTree>
-      <p:nvGrpSpPr>
-        <p:cNvPr id="1" name="Shape 74"/>
-        <p:cNvGrpSpPr/>
-        <p:nvPr/>
-      </p:nvGrpSpPr>
-      <p:grpSpPr>
-        <a:xfrm>
-          <a:off x="0" y="0"/>
-          <a:ext cx="0" cy="0"/>
-          <a:chOff x="0" y="0"/>
-          <a:chExt cx="0" cy="0"/>
-        </a:xfrm>
-      </p:grpSpPr>
-      <p:sp>
-        <p:nvSpPr>
-          <p:cNvPr id="75" name="Google Shape;75;gac10fef634_0_20:notes"/>
-          <p:cNvSpPr>
-            <a:spLocks noGrp="1" noRot="1" noChangeAspect="1"/>
-          </p:cNvSpPr>
-          <p:nvPr>
-            <p:ph type="sldImg" idx="2"/>
-          </p:nvPr>
-        </p:nvSpPr>
-        <p:spPr>
-          <a:xfrm>
-            <a:off x="381000" y="685800"/>
-            <a:ext cx="6096000" cy="3429000"/>
-          </a:xfrm>
-          <a:custGeom>
-            <a:avLst/>
-            <a:gdLst/>
-            <a:ahLst/>
-            <a:cxnLst/>
-            <a:rect l="l" t="t" r="r" b="b"/>
-            <a:pathLst>
-              <a:path w="120000" h="120000" extrusionOk="0">
-                <a:moveTo>
-                  <a:pt x="0" y="0"/>
-                </a:moveTo>
-                <a:lnTo>
-                  <a:pt x="120000" y="0"/>
-                </a:lnTo>
-                <a:lnTo>
-                  <a:pt x="120000" y="120000"/>
-                </a:lnTo>
-                <a:lnTo>
-                  <a:pt x="0" y="120000"/>
-                </a:lnTo>
-                <a:close/>
-              </a:path>
-            </a:pathLst>
-          </a:custGeom>
-        </p:spPr>
-      </p:sp>
-      <p:sp>
-        <p:nvSpPr>
-          <p:cNvPr id="76" name="Google Shape;76;gac10fef634_0_20:notes"/>
-          <p:cNvSpPr txBox="1">
-            <a:spLocks noGrp="1"/>
-          </p:cNvSpPr>
-          <p:nvPr>
-            <p:ph type="body" idx="1"/>
-          </p:nvPr>
-        </p:nvSpPr>
-        <p:spPr>
-          <a:xfrm>
-            <a:off x="685800" y="4343400"/>
-            <a:ext cx="5486400" cy="4114800"/>
-          </a:xfrm>
-          <a:prstGeom prst="rect">
-            <a:avLst/>
-          </a:prstGeom>
-        </p:spPr>
-        <p:txBody>
-          <a:bodyPr spcFirstLastPara="1" wrap="square" lIns="91425" tIns="91425" rIns="91425" bIns="91425" anchor="t" anchorCtr="0">
-            <a:noAutofit/>
-          </a:bodyPr>
-          <a:lstStyle/>
-          <a:p>
-            <a:pPr marL="0" lvl="0" indent="0" algn="l" rtl="0">
-              <a:spcBef>
-                <a:spcPts val="0"/>
-              </a:spcBef>
-              <a:spcAft>
-                <a:spcPts val="0"/>
-              </a:spcAft>
-              <a:buNone/>
-            </a:pPr>
-            <a:endParaRPr/>
-          </a:p>
-        </p:txBody>
-      </p:sp>
-    </p:spTree>
-    <p:extLst>
-      <p:ext uri="{BB962C8B-B14F-4D97-AF65-F5344CB8AC3E}">
-        <p14:creationId xmlns:p14="http://schemas.microsoft.com/office/powerpoint/2010/main" val="3059957658"/>
       </p:ext>
     </p:extLst>
   </p:cSld>
@@ -8828,8 +9037,8 @@
         </p:blipFill>
         <p:spPr>
           <a:xfrm>
-            <a:off x="0" y="14126"/>
-            <a:ext cx="9144000" cy="5115247"/>
+            <a:off x="-1" y="-22022"/>
+            <a:ext cx="9233871" cy="5165522"/>
           </a:xfrm>
           <a:prstGeom prst="rect">
             <a:avLst/>
@@ -8848,7 +9057,7 @@
         </p:nvSpPr>
         <p:spPr>
           <a:xfrm>
-            <a:off x="311700" y="445025"/>
+            <a:off x="182160" y="158675"/>
             <a:ext cx="8520600" cy="572700"/>
           </a:xfrm>
           <a:prstGeom prst="rect">
@@ -8871,12 +9080,12 @@
               <a:buNone/>
             </a:pPr>
             <a:r>
-              <a:rPr lang="en" dirty="0">
+              <a:rPr lang="en" b="1" dirty="0">
                 <a:latin typeface="Avenir Next LT Pro" panose="020B0504020202020204" pitchFamily="34" charset="0"/>
               </a:rPr>
               <a:t>Component 1 - Test Plan (and screenshot)</a:t>
             </a:r>
-            <a:endParaRPr dirty="0">
+            <a:endParaRPr b="1" dirty="0">
               <a:latin typeface="Avenir Next LT Pro" panose="020B0504020202020204" pitchFamily="34" charset="0"/>
             </a:endParaRPr>
           </a:p>
@@ -8889,14 +9098,14 @@
           <p:nvPr>
             <p:extLst>
               <p:ext uri="{D42A27DB-BD31-4B8C-83A1-F6EECF244321}">
-                <p14:modId xmlns:p14="http://schemas.microsoft.com/office/powerpoint/2010/main" val="3439798624"/>
+                <p14:modId xmlns:p14="http://schemas.microsoft.com/office/powerpoint/2010/main" val="3390167115"/>
               </p:ext>
             </p:extLst>
           </p:nvPr>
         </p:nvGraphicFramePr>
         <p:xfrm>
-          <a:off x="311700" y="3784135"/>
-          <a:ext cx="8520600" cy="914340"/>
+          <a:off x="311700" y="3604995"/>
+          <a:ext cx="8520600" cy="1462980"/>
         </p:xfrm>
         <a:graphic>
           <a:graphicData uri="http://schemas.openxmlformats.org/drawingml/2006/table">
@@ -9005,6 +9214,12 @@
                         </a:spcAft>
                         <a:buNone/>
                       </a:pPr>
+                      <a:r>
+                        <a:rPr lang="en-NZ" sz="1800" dirty="0">
+                          <a:latin typeface="Avenir Next LT Pro" panose="020B0504020202020204" pitchFamily="34" charset="0"/>
+                        </a:rPr>
+                        <a:t>Run program</a:t>
+                      </a:r>
                       <a:endParaRPr sz="1800" dirty="0">
                         <a:latin typeface="Avenir Next LT Pro" panose="020B0504020202020204" pitchFamily="34" charset="0"/>
                       </a:endParaRPr>
@@ -9026,6 +9241,12 @@
                         </a:spcAft>
                         <a:buNone/>
                       </a:pPr>
+                      <a:r>
+                        <a:rPr lang="en-NZ" sz="1800" dirty="0">
+                          <a:latin typeface="Avenir Next LT Pro" panose="020B0504020202020204" pitchFamily="34" charset="0"/>
+                        </a:rPr>
+                        <a:t>Prints welcome message with random name from list of names – runs correctly</a:t>
+                      </a:r>
                       <a:endParaRPr sz="1800" dirty="0">
                         <a:latin typeface="Avenir Next LT Pro" panose="020B0504020202020204" pitchFamily="34" charset="0"/>
                       </a:endParaRPr>
@@ -9043,6 +9264,66 @@
           </a:graphicData>
         </a:graphic>
       </p:graphicFrame>
+      <p:pic>
+        <p:nvPicPr>
+          <p:cNvPr id="3" name="Picture 2">
+            <a:extLst>
+              <a:ext uri="{FF2B5EF4-FFF2-40B4-BE49-F238E27FC236}">
+                <a16:creationId xmlns:a16="http://schemas.microsoft.com/office/drawing/2014/main" id="{1ABFC708-2EF5-4826-97A3-7137EF0DC93F}"/>
+              </a:ext>
+            </a:extLst>
+          </p:cNvPr>
+          <p:cNvPicPr>
+            <a:picLocks noChangeAspect="1"/>
+          </p:cNvPicPr>
+          <p:nvPr/>
+        </p:nvPicPr>
+        <p:blipFill>
+          <a:blip r:embed="rId4"/>
+          <a:stretch>
+            <a:fillRect/>
+          </a:stretch>
+        </p:blipFill>
+        <p:spPr>
+          <a:xfrm>
+            <a:off x="296460" y="1016499"/>
+            <a:ext cx="5662380" cy="1719429"/>
+          </a:xfrm>
+          <a:prstGeom prst="rect">
+            <a:avLst/>
+          </a:prstGeom>
+        </p:spPr>
+      </p:pic>
+      <p:pic>
+        <p:nvPicPr>
+          <p:cNvPr id="6" name="Picture 5">
+            <a:extLst>
+              <a:ext uri="{FF2B5EF4-FFF2-40B4-BE49-F238E27FC236}">
+                <a16:creationId xmlns:a16="http://schemas.microsoft.com/office/drawing/2014/main" id="{81680A84-6532-45CE-B533-D6BEC1FD16E4}"/>
+              </a:ext>
+            </a:extLst>
+          </p:cNvPr>
+          <p:cNvPicPr>
+            <a:picLocks noChangeAspect="1"/>
+          </p:cNvPicPr>
+          <p:nvPr/>
+        </p:nvPicPr>
+        <p:blipFill>
+          <a:blip r:embed="rId5"/>
+          <a:stretch>
+            <a:fillRect/>
+          </a:stretch>
+        </p:blipFill>
+        <p:spPr>
+          <a:xfrm>
+            <a:off x="3505105" y="2884111"/>
+            <a:ext cx="5327195" cy="572700"/>
+          </a:xfrm>
+          <a:prstGeom prst="rect">
+            <a:avLst/>
+          </a:prstGeom>
+        </p:spPr>
+      </p:pic>
     </p:spTree>
   </p:cSld>
   <p:clrMapOvr>
@@ -9052,6 +9333,150 @@
 </file>
 
 <file path=ppt/slides/slide16.xml><?xml version="1.0" encoding="utf-8"?>
+<p:sld xmlns:a="http://schemas.openxmlformats.org/drawingml/2006/main" xmlns:r="http://schemas.openxmlformats.org/officeDocument/2006/relationships" xmlns:p="http://schemas.openxmlformats.org/presentationml/2006/main">
+  <p:cSld>
+    <p:bg>
+      <p:bgPr>
+        <a:solidFill>
+          <a:srgbClr val="D9EAD3"/>
+        </a:solidFill>
+        <a:effectLst/>
+      </p:bgPr>
+    </p:bg>
+    <p:spTree>
+      <p:nvGrpSpPr>
+        <p:cNvPr id="1" name="Shape 72"/>
+        <p:cNvGrpSpPr/>
+        <p:nvPr/>
+      </p:nvGrpSpPr>
+      <p:grpSpPr>
+        <a:xfrm>
+          <a:off x="0" y="0"/>
+          <a:ext cx="0" cy="0"/>
+          <a:chOff x="0" y="0"/>
+          <a:chExt cx="0" cy="0"/>
+        </a:xfrm>
+      </p:grpSpPr>
+      <p:pic>
+        <p:nvPicPr>
+          <p:cNvPr id="3" name="Picture 2">
+            <a:extLst>
+              <a:ext uri="{FF2B5EF4-FFF2-40B4-BE49-F238E27FC236}">
+                <a16:creationId xmlns:a16="http://schemas.microsoft.com/office/drawing/2014/main" id="{3010DBE0-A2AA-45FF-A58D-C0A62B415A8F}"/>
+              </a:ext>
+            </a:extLst>
+          </p:cNvPr>
+          <p:cNvPicPr>
+            <a:picLocks noChangeAspect="1"/>
+          </p:cNvPicPr>
+          <p:nvPr/>
+        </p:nvPicPr>
+        <p:blipFill>
+          <a:blip r:embed="rId3"/>
+          <a:stretch>
+            <a:fillRect/>
+          </a:stretch>
+        </p:blipFill>
+        <p:spPr>
+          <a:xfrm>
+            <a:off x="0" y="5710"/>
+            <a:ext cx="9144000" cy="5132080"/>
+          </a:xfrm>
+          <a:prstGeom prst="rect">
+            <a:avLst/>
+          </a:prstGeom>
+        </p:spPr>
+      </p:pic>
+      <p:sp>
+        <p:nvSpPr>
+          <p:cNvPr id="73" name="Google Shape;73;p16"/>
+          <p:cNvSpPr txBox="1">
+            <a:spLocks noGrp="1"/>
+          </p:cNvSpPr>
+          <p:nvPr>
+            <p:ph type="title"/>
+          </p:nvPr>
+        </p:nvSpPr>
+        <p:spPr>
+          <a:xfrm>
+            <a:off x="311700" y="445025"/>
+            <a:ext cx="8520600" cy="572700"/>
+          </a:xfrm>
+          <a:prstGeom prst="rect">
+            <a:avLst/>
+          </a:prstGeom>
+        </p:spPr>
+        <p:txBody>
+          <a:bodyPr spcFirstLastPara="1" wrap="square" lIns="91425" tIns="91425" rIns="91425" bIns="91425" anchor="t" anchorCtr="0">
+            <a:noAutofit/>
+          </a:bodyPr>
+          <a:lstStyle/>
+          <a:p>
+            <a:pPr marL="0" lvl="0" indent="0" algn="l" rtl="0">
+              <a:spcBef>
+                <a:spcPts val="0"/>
+              </a:spcBef>
+              <a:spcAft>
+                <a:spcPts val="0"/>
+              </a:spcAft>
+              <a:buNone/>
+            </a:pPr>
+            <a:r>
+              <a:rPr lang="en" b="1" dirty="0">
+                <a:latin typeface="Avenir Next LT Pro" panose="020B0504020202020204" pitchFamily="34" charset="0"/>
+              </a:rPr>
+              <a:t>Component 1 Version 2 (Trello screenshot)</a:t>
+            </a:r>
+            <a:endParaRPr b="1" dirty="0">
+              <a:latin typeface="Avenir Next LT Pro" panose="020B0504020202020204" pitchFamily="34" charset="0"/>
+            </a:endParaRPr>
+          </a:p>
+        </p:txBody>
+      </p:sp>
+      <p:pic>
+        <p:nvPicPr>
+          <p:cNvPr id="5" name="Picture 4">
+            <a:extLst>
+              <a:ext uri="{FF2B5EF4-FFF2-40B4-BE49-F238E27FC236}">
+                <a16:creationId xmlns:a16="http://schemas.microsoft.com/office/drawing/2014/main" id="{7DAF6143-1212-4864-A19C-3864D75B5211}"/>
+              </a:ext>
+            </a:extLst>
+          </p:cNvPr>
+          <p:cNvPicPr>
+            <a:picLocks noChangeAspect="1"/>
+          </p:cNvPicPr>
+          <p:nvPr/>
+        </p:nvPicPr>
+        <p:blipFill>
+          <a:blip r:embed="rId4"/>
+          <a:stretch>
+            <a:fillRect/>
+          </a:stretch>
+        </p:blipFill>
+        <p:spPr>
+          <a:xfrm>
+            <a:off x="497731" y="1457040"/>
+            <a:ext cx="8148537" cy="2682257"/>
+          </a:xfrm>
+          <a:prstGeom prst="rect">
+            <a:avLst/>
+          </a:prstGeom>
+        </p:spPr>
+      </p:pic>
+    </p:spTree>
+    <p:extLst>
+      <p:ext uri="{BB962C8B-B14F-4D97-AF65-F5344CB8AC3E}">
+        <p14:creationId xmlns:p14="http://schemas.microsoft.com/office/powerpoint/2010/main" val="420956058"/>
+      </p:ext>
+    </p:extLst>
+  </p:cSld>
+  <p:clrMapOvr>
+    <a:masterClrMapping/>
+  </p:clrMapOvr>
+</p:sld>
+</file>
+
+<file path=ppt/slides/slide17.xml><?xml version="1.0" encoding="utf-8"?>
 <p:sld xmlns:a="http://schemas.openxmlformats.org/drawingml/2006/main" xmlns:r="http://schemas.openxmlformats.org/officeDocument/2006/relationships" xmlns:p="http://schemas.openxmlformats.org/presentationml/2006/main">
   <p:cSld>
     <p:bg>
@@ -9131,7 +9556,7 @@
 </p:sld>
 </file>
 
-<file path=ppt/slides/slide17.xml><?xml version="1.0" encoding="utf-8"?>
+<file path=ppt/slides/slide18.xml><?xml version="1.0" encoding="utf-8"?>
 <p:sld xmlns:a="http://schemas.openxmlformats.org/drawingml/2006/main" xmlns:r="http://schemas.openxmlformats.org/officeDocument/2006/relationships" xmlns:p="http://schemas.openxmlformats.org/presentationml/2006/main">
   <p:cSld>
     <p:spTree>
@@ -9346,7 +9771,7 @@
 </p:sld>
 </file>
 
-<file path=ppt/slides/slide18.xml><?xml version="1.0" encoding="utf-8"?>
+<file path=ppt/slides/slide19.xml><?xml version="1.0" encoding="utf-8"?>
 <p:sld xmlns:a="http://schemas.openxmlformats.org/drawingml/2006/main" xmlns:r="http://schemas.openxmlformats.org/officeDocument/2006/relationships" xmlns:p="http://schemas.openxmlformats.org/presentationml/2006/main">
   <p:cSld>
     <p:bg>
@@ -9426,7 +9851,227 @@
 </p:sld>
 </file>
 
-<file path=ppt/slides/slide19.xml><?xml version="1.0" encoding="utf-8"?>
+<file path=ppt/slides/slide2.xml><?xml version="1.0" encoding="utf-8"?>
+<p:sld xmlns:a="http://schemas.openxmlformats.org/drawingml/2006/main" xmlns:r="http://schemas.openxmlformats.org/officeDocument/2006/relationships" xmlns:p="http://schemas.openxmlformats.org/presentationml/2006/main">
+  <p:cSld>
+    <p:bg>
+      <p:bgPr>
+        <a:solidFill>
+          <a:srgbClr val="FFCC66"/>
+        </a:solidFill>
+        <a:effectLst/>
+      </p:bgPr>
+    </p:bg>
+    <p:spTree>
+      <p:nvGrpSpPr>
+        <p:cNvPr id="1" name="Shape 53"/>
+        <p:cNvGrpSpPr/>
+        <p:nvPr/>
+      </p:nvGrpSpPr>
+      <p:grpSpPr>
+        <a:xfrm>
+          <a:off x="0" y="0"/>
+          <a:ext cx="0" cy="0"/>
+          <a:chOff x="0" y="0"/>
+          <a:chExt cx="0" cy="0"/>
+        </a:xfrm>
+      </p:grpSpPr>
+      <p:pic>
+        <p:nvPicPr>
+          <p:cNvPr id="3" name="Picture 2">
+            <a:extLst>
+              <a:ext uri="{FF2B5EF4-FFF2-40B4-BE49-F238E27FC236}">
+                <a16:creationId xmlns:a16="http://schemas.microsoft.com/office/drawing/2014/main" id="{FF3C48C6-8E8E-43C6-BBC8-B96B73CFEC63}"/>
+              </a:ext>
+            </a:extLst>
+          </p:cNvPr>
+          <p:cNvPicPr>
+            <a:picLocks noChangeAspect="1"/>
+          </p:cNvPicPr>
+          <p:nvPr/>
+        </p:nvPicPr>
+        <p:blipFill>
+          <a:blip r:embed="rId3"/>
+          <a:stretch>
+            <a:fillRect/>
+          </a:stretch>
+        </p:blipFill>
+        <p:spPr>
+          <a:xfrm>
+            <a:off x="0" y="10638"/>
+            <a:ext cx="9144000" cy="5122223"/>
+          </a:xfrm>
+          <a:prstGeom prst="rect">
+            <a:avLst/>
+          </a:prstGeom>
+        </p:spPr>
+      </p:pic>
+      <p:sp>
+        <p:nvSpPr>
+          <p:cNvPr id="54" name="Google Shape;54;p13"/>
+          <p:cNvSpPr txBox="1">
+            <a:spLocks noGrp="1"/>
+          </p:cNvSpPr>
+          <p:nvPr>
+            <p:ph type="title"/>
+          </p:nvPr>
+        </p:nvSpPr>
+        <p:spPr>
+          <a:xfrm>
+            <a:off x="2635263" y="252850"/>
+            <a:ext cx="3873471" cy="572700"/>
+          </a:xfrm>
+          <a:prstGeom prst="rect">
+            <a:avLst/>
+          </a:prstGeom>
+        </p:spPr>
+        <p:txBody>
+          <a:bodyPr spcFirstLastPara="1" wrap="square" lIns="91425" tIns="91425" rIns="91425" bIns="91425" anchor="t" anchorCtr="0">
+            <a:noAutofit/>
+          </a:bodyPr>
+          <a:lstStyle/>
+          <a:p>
+            <a:r>
+              <a:rPr lang="en" b="1" dirty="0">
+                <a:latin typeface="Avenir Next LT Pro" panose="020B0504020202020204" pitchFamily="34" charset="0"/>
+              </a:rPr>
+              <a:t>Describe Your Client</a:t>
+            </a:r>
+            <a:endParaRPr b="1" dirty="0">
+              <a:latin typeface="Avenir Next LT Pro" panose="020B0504020202020204" pitchFamily="34" charset="0"/>
+            </a:endParaRPr>
+          </a:p>
+        </p:txBody>
+      </p:sp>
+      <p:sp>
+        <p:nvSpPr>
+          <p:cNvPr id="4" name="TextBox 3">
+            <a:extLst>
+              <a:ext uri="{FF2B5EF4-FFF2-40B4-BE49-F238E27FC236}">
+                <a16:creationId xmlns:a16="http://schemas.microsoft.com/office/drawing/2014/main" id="{0B8113B3-C08C-4D99-B93F-58371E1161C2}"/>
+              </a:ext>
+            </a:extLst>
+          </p:cNvPr>
+          <p:cNvSpPr txBox="1"/>
+          <p:nvPr/>
+        </p:nvSpPr>
+        <p:spPr>
+          <a:xfrm>
+            <a:off x="230849" y="1067762"/>
+            <a:ext cx="8484177" cy="3108543"/>
+          </a:xfrm>
+          <a:prstGeom prst="rect">
+            <a:avLst/>
+          </a:prstGeom>
+          <a:noFill/>
+        </p:spPr>
+        <p:txBody>
+          <a:bodyPr rot="0" spcFirstLastPara="0" vertOverflow="overflow" horzOverflow="overflow" vert="horz" wrap="square" lIns="91440" tIns="45720" rIns="91440" bIns="45720" numCol="1" spcCol="0" rtlCol="0" fromWordArt="0" anchor="t" anchorCtr="0" forceAA="0" compatLnSpc="1">
+            <a:prstTxWarp prst="textNoShape">
+              <a:avLst/>
+            </a:prstTxWarp>
+            <a:spAutoFit/>
+          </a:bodyPr>
+          <a:lstStyle/>
+          <a:p>
+            <a:pPr algn="just"/>
+            <a:r>
+              <a:rPr lang="en-US" u="sng" dirty="0">
+                <a:latin typeface="Avenir Next LT Pro" panose="020B0504020202020204" pitchFamily="34" charset="0"/>
+              </a:rPr>
+              <a:t>Briefly describe the online store:</a:t>
+            </a:r>
+            <a:endParaRPr lang="en-US" dirty="0">
+              <a:latin typeface="Avenir Next LT Pro" panose="020B0504020202020204" pitchFamily="34" charset="0"/>
+            </a:endParaRPr>
+          </a:p>
+          <a:p>
+            <a:pPr algn="just"/>
+            <a:r>
+              <a:rPr lang="en-US" dirty="0">
+                <a:latin typeface="Avenir Next LT Pro" panose="020B0504020202020204" pitchFamily="34" charset="0"/>
+              </a:rPr>
+              <a:t>The online store is a starting business that will sell different types of high-quality organic nuts. Though they are just starting the business, the online store/company hopes to sell even more than just nuts, such as seeds, dried fruit, spices etc. They hope to promote ___</a:t>
+            </a:r>
+          </a:p>
+          <a:p>
+            <a:pPr algn="just"/>
+            <a:endParaRPr lang="en-US" u="sng" dirty="0">
+              <a:latin typeface="Avenir Next LT Pro" panose="020B0504020202020204" pitchFamily="34" charset="0"/>
+            </a:endParaRPr>
+          </a:p>
+          <a:p>
+            <a:pPr algn="just"/>
+            <a:endParaRPr lang="en-US" u="sng" dirty="0">
+              <a:latin typeface="Avenir Next LT Pro" panose="020B0504020202020204" pitchFamily="34" charset="0"/>
+            </a:endParaRPr>
+          </a:p>
+          <a:p>
+            <a:pPr algn="just"/>
+            <a:r>
+              <a:rPr lang="en-US" u="sng" dirty="0">
+                <a:latin typeface="Avenir Next LT Pro" panose="020B0504020202020204" pitchFamily="34" charset="0"/>
+              </a:rPr>
+              <a:t>What do they sell?</a:t>
+            </a:r>
+          </a:p>
+          <a:p>
+            <a:pPr algn="just"/>
+            <a:r>
+              <a:rPr lang="en-US" dirty="0">
+                <a:latin typeface="Avenir Next LT Pro" panose="020B0504020202020204" pitchFamily="34" charset="0"/>
+              </a:rPr>
+              <a:t>They sell a range of nuts including peanuts, pistachio’s, macadamia, almonds, cashews, walnuts, pecans, hazelnuts, Brazil nuts, pine nuts, chestnuts and mixed nuts (all nuts mixed together).  </a:t>
+            </a:r>
+            <a:endParaRPr lang="en-US" u="sng" dirty="0">
+              <a:latin typeface="Avenir Next LT Pro" panose="020B0504020202020204" pitchFamily="34" charset="0"/>
+            </a:endParaRPr>
+          </a:p>
+          <a:p>
+            <a:pPr algn="just"/>
+            <a:br>
+              <a:rPr lang="en-US" u="sng" dirty="0">
+                <a:latin typeface="Avenir Next LT Pro" panose="020B0504020202020204" pitchFamily="34" charset="0"/>
+              </a:rPr>
+            </a:br>
+            <a:endParaRPr lang="en-US" u="sng" dirty="0">
+              <a:latin typeface="Avenir Next LT Pro" panose="020B0504020202020204" pitchFamily="34" charset="0"/>
+            </a:endParaRPr>
+          </a:p>
+          <a:p>
+            <a:pPr algn="just"/>
+            <a:r>
+              <a:rPr lang="en-US" u="sng" dirty="0">
+                <a:latin typeface="Avenir Next LT Pro" panose="020B0504020202020204" pitchFamily="34" charset="0"/>
+              </a:rPr>
+              <a:t>Who is the target market?</a:t>
+            </a:r>
+          </a:p>
+          <a:p>
+            <a:pPr algn="just"/>
+            <a:r>
+              <a:rPr lang="en-US" dirty="0">
+                <a:latin typeface="Avenir Next LT Pro" panose="020B0504020202020204" pitchFamily="34" charset="0"/>
+              </a:rPr>
+              <a:t>The target market are for people who are enthusiastic about cooking, baking, or simply eating – regardless of what age you are.</a:t>
+            </a:r>
+          </a:p>
+        </p:txBody>
+      </p:sp>
+    </p:spTree>
+    <p:extLst>
+      <p:ext uri="{BB962C8B-B14F-4D97-AF65-F5344CB8AC3E}">
+        <p14:creationId xmlns:p14="http://schemas.microsoft.com/office/powerpoint/2010/main" val="3394205575"/>
+      </p:ext>
+    </p:extLst>
+  </p:cSld>
+  <p:clrMapOvr>
+    <a:masterClrMapping/>
+  </p:clrMapOvr>
+</p:sld>
+</file>
+
+<file path=ppt/slides/slide20.xml><?xml version="1.0" encoding="utf-8"?>
 <p:sld xmlns:a="http://schemas.openxmlformats.org/drawingml/2006/main" xmlns:r="http://schemas.openxmlformats.org/officeDocument/2006/relationships" xmlns:p="http://schemas.openxmlformats.org/presentationml/2006/main">
   <p:cSld>
     <p:spTree>
@@ -9641,227 +10286,7 @@
 </p:sld>
 </file>
 
-<file path=ppt/slides/slide2.xml><?xml version="1.0" encoding="utf-8"?>
-<p:sld xmlns:a="http://schemas.openxmlformats.org/drawingml/2006/main" xmlns:r="http://schemas.openxmlformats.org/officeDocument/2006/relationships" xmlns:p="http://schemas.openxmlformats.org/presentationml/2006/main">
-  <p:cSld>
-    <p:bg>
-      <p:bgPr>
-        <a:solidFill>
-          <a:srgbClr val="FFCC66"/>
-        </a:solidFill>
-        <a:effectLst/>
-      </p:bgPr>
-    </p:bg>
-    <p:spTree>
-      <p:nvGrpSpPr>
-        <p:cNvPr id="1" name="Shape 53"/>
-        <p:cNvGrpSpPr/>
-        <p:nvPr/>
-      </p:nvGrpSpPr>
-      <p:grpSpPr>
-        <a:xfrm>
-          <a:off x="0" y="0"/>
-          <a:ext cx="0" cy="0"/>
-          <a:chOff x="0" y="0"/>
-          <a:chExt cx="0" cy="0"/>
-        </a:xfrm>
-      </p:grpSpPr>
-      <p:pic>
-        <p:nvPicPr>
-          <p:cNvPr id="3" name="Picture 2">
-            <a:extLst>
-              <a:ext uri="{FF2B5EF4-FFF2-40B4-BE49-F238E27FC236}">
-                <a16:creationId xmlns:a16="http://schemas.microsoft.com/office/drawing/2014/main" id="{FF3C48C6-8E8E-43C6-BBC8-B96B73CFEC63}"/>
-              </a:ext>
-            </a:extLst>
-          </p:cNvPr>
-          <p:cNvPicPr>
-            <a:picLocks noChangeAspect="1"/>
-          </p:cNvPicPr>
-          <p:nvPr/>
-        </p:nvPicPr>
-        <p:blipFill>
-          <a:blip r:embed="rId3"/>
-          <a:stretch>
-            <a:fillRect/>
-          </a:stretch>
-        </p:blipFill>
-        <p:spPr>
-          <a:xfrm>
-            <a:off x="0" y="10638"/>
-            <a:ext cx="9144000" cy="5122223"/>
-          </a:xfrm>
-          <a:prstGeom prst="rect">
-            <a:avLst/>
-          </a:prstGeom>
-        </p:spPr>
-      </p:pic>
-      <p:sp>
-        <p:nvSpPr>
-          <p:cNvPr id="54" name="Google Shape;54;p13"/>
-          <p:cNvSpPr txBox="1">
-            <a:spLocks noGrp="1"/>
-          </p:cNvSpPr>
-          <p:nvPr>
-            <p:ph type="title"/>
-          </p:nvPr>
-        </p:nvSpPr>
-        <p:spPr>
-          <a:xfrm>
-            <a:off x="2635263" y="252850"/>
-            <a:ext cx="3873471" cy="572700"/>
-          </a:xfrm>
-          <a:prstGeom prst="rect">
-            <a:avLst/>
-          </a:prstGeom>
-        </p:spPr>
-        <p:txBody>
-          <a:bodyPr spcFirstLastPara="1" wrap="square" lIns="91425" tIns="91425" rIns="91425" bIns="91425" anchor="t" anchorCtr="0">
-            <a:noAutofit/>
-          </a:bodyPr>
-          <a:lstStyle/>
-          <a:p>
-            <a:r>
-              <a:rPr lang="en" b="1" dirty="0">
-                <a:latin typeface="Avenir Next LT Pro" panose="020B0504020202020204" pitchFamily="34" charset="0"/>
-              </a:rPr>
-              <a:t>Describe Your Client</a:t>
-            </a:r>
-            <a:endParaRPr b="1" dirty="0">
-              <a:latin typeface="Avenir Next LT Pro" panose="020B0504020202020204" pitchFamily="34" charset="0"/>
-            </a:endParaRPr>
-          </a:p>
-        </p:txBody>
-      </p:sp>
-      <p:sp>
-        <p:nvSpPr>
-          <p:cNvPr id="4" name="TextBox 3">
-            <a:extLst>
-              <a:ext uri="{FF2B5EF4-FFF2-40B4-BE49-F238E27FC236}">
-                <a16:creationId xmlns:a16="http://schemas.microsoft.com/office/drawing/2014/main" id="{0B8113B3-C08C-4D99-B93F-58371E1161C2}"/>
-              </a:ext>
-            </a:extLst>
-          </p:cNvPr>
-          <p:cNvSpPr txBox="1"/>
-          <p:nvPr/>
-        </p:nvSpPr>
-        <p:spPr>
-          <a:xfrm>
-            <a:off x="230849" y="1067762"/>
-            <a:ext cx="8484177" cy="3108543"/>
-          </a:xfrm>
-          <a:prstGeom prst="rect">
-            <a:avLst/>
-          </a:prstGeom>
-          <a:noFill/>
-        </p:spPr>
-        <p:txBody>
-          <a:bodyPr rot="0" spcFirstLastPara="0" vertOverflow="overflow" horzOverflow="overflow" vert="horz" wrap="square" lIns="91440" tIns="45720" rIns="91440" bIns="45720" numCol="1" spcCol="0" rtlCol="0" fromWordArt="0" anchor="t" anchorCtr="0" forceAA="0" compatLnSpc="1">
-            <a:prstTxWarp prst="textNoShape">
-              <a:avLst/>
-            </a:prstTxWarp>
-            <a:spAutoFit/>
-          </a:bodyPr>
-          <a:lstStyle/>
-          <a:p>
-            <a:pPr algn="just"/>
-            <a:r>
-              <a:rPr lang="en-US" u="sng" dirty="0">
-                <a:latin typeface="Avenir Next LT Pro" panose="020B0504020202020204" pitchFamily="34" charset="0"/>
-              </a:rPr>
-              <a:t>Briefly describe the online store:</a:t>
-            </a:r>
-            <a:endParaRPr lang="en-US" dirty="0">
-              <a:latin typeface="Avenir Next LT Pro" panose="020B0504020202020204" pitchFamily="34" charset="0"/>
-            </a:endParaRPr>
-          </a:p>
-          <a:p>
-            <a:pPr algn="just"/>
-            <a:r>
-              <a:rPr lang="en-US" dirty="0">
-                <a:latin typeface="Avenir Next LT Pro" panose="020B0504020202020204" pitchFamily="34" charset="0"/>
-              </a:rPr>
-              <a:t>The online store is a starting business that will sell different types of high-quality organic nuts. Though they are just starting the business, the online store/company hopes to sell even more than just nuts, such as seeds, dried fruit, spices etc. They hope to promote ___</a:t>
-            </a:r>
-          </a:p>
-          <a:p>
-            <a:pPr algn="just"/>
-            <a:endParaRPr lang="en-US" u="sng" dirty="0">
-              <a:latin typeface="Avenir Next LT Pro" panose="020B0504020202020204" pitchFamily="34" charset="0"/>
-            </a:endParaRPr>
-          </a:p>
-          <a:p>
-            <a:pPr algn="just"/>
-            <a:endParaRPr lang="en-US" u="sng" dirty="0">
-              <a:latin typeface="Avenir Next LT Pro" panose="020B0504020202020204" pitchFamily="34" charset="0"/>
-            </a:endParaRPr>
-          </a:p>
-          <a:p>
-            <a:pPr algn="just"/>
-            <a:r>
-              <a:rPr lang="en-US" u="sng" dirty="0">
-                <a:latin typeface="Avenir Next LT Pro" panose="020B0504020202020204" pitchFamily="34" charset="0"/>
-              </a:rPr>
-              <a:t>What do they sell?</a:t>
-            </a:r>
-          </a:p>
-          <a:p>
-            <a:pPr algn="just"/>
-            <a:r>
-              <a:rPr lang="en-US" dirty="0">
-                <a:latin typeface="Avenir Next LT Pro" panose="020B0504020202020204" pitchFamily="34" charset="0"/>
-              </a:rPr>
-              <a:t>They sell a range of nuts including peanuts, pistachio’s, macadamia, almonds, cashews, walnuts, pecans, hazelnuts, Brazil nuts, pine nuts, chestnuts and mixed nuts (all nuts mixed together).  </a:t>
-            </a:r>
-            <a:endParaRPr lang="en-US" u="sng" dirty="0">
-              <a:latin typeface="Avenir Next LT Pro" panose="020B0504020202020204" pitchFamily="34" charset="0"/>
-            </a:endParaRPr>
-          </a:p>
-          <a:p>
-            <a:pPr algn="just"/>
-            <a:br>
-              <a:rPr lang="en-US" u="sng" dirty="0">
-                <a:latin typeface="Avenir Next LT Pro" panose="020B0504020202020204" pitchFamily="34" charset="0"/>
-              </a:rPr>
-            </a:br>
-            <a:endParaRPr lang="en-US" u="sng" dirty="0">
-              <a:latin typeface="Avenir Next LT Pro" panose="020B0504020202020204" pitchFamily="34" charset="0"/>
-            </a:endParaRPr>
-          </a:p>
-          <a:p>
-            <a:pPr algn="just"/>
-            <a:r>
-              <a:rPr lang="en-US" u="sng" dirty="0">
-                <a:latin typeface="Avenir Next LT Pro" panose="020B0504020202020204" pitchFamily="34" charset="0"/>
-              </a:rPr>
-              <a:t>Who is the target market?</a:t>
-            </a:r>
-          </a:p>
-          <a:p>
-            <a:pPr algn="just"/>
-            <a:r>
-              <a:rPr lang="en-US" dirty="0">
-                <a:latin typeface="Avenir Next LT Pro" panose="020B0504020202020204" pitchFamily="34" charset="0"/>
-              </a:rPr>
-              <a:t>The target market are for people who are enthusiastic about cooking, baking, or simply eating – regardless of what age you are.</a:t>
-            </a:r>
-          </a:p>
-        </p:txBody>
-      </p:sp>
-    </p:spTree>
-    <p:extLst>
-      <p:ext uri="{BB962C8B-B14F-4D97-AF65-F5344CB8AC3E}">
-        <p14:creationId xmlns:p14="http://schemas.microsoft.com/office/powerpoint/2010/main" val="3394205575"/>
-      </p:ext>
-    </p:extLst>
-  </p:cSld>
-  <p:clrMapOvr>
-    <a:masterClrMapping/>
-  </p:clrMapOvr>
-</p:sld>
-</file>
-
-<file path=ppt/slides/slide20.xml><?xml version="1.0" encoding="utf-8"?>
+<file path=ppt/slides/slide21.xml><?xml version="1.0" encoding="utf-8"?>
 <p:sld xmlns:a="http://schemas.openxmlformats.org/drawingml/2006/main" xmlns:r="http://schemas.openxmlformats.org/officeDocument/2006/relationships" xmlns:p="http://schemas.openxmlformats.org/presentationml/2006/main">
   <p:cSld>
     <p:bg>
@@ -9941,7 +10366,7 @@
 </p:sld>
 </file>
 
-<file path=ppt/slides/slide21.xml><?xml version="1.0" encoding="utf-8"?>
+<file path=ppt/slides/slide22.xml><?xml version="1.0" encoding="utf-8"?>
 <p:sld xmlns:a="http://schemas.openxmlformats.org/drawingml/2006/main" xmlns:r="http://schemas.openxmlformats.org/officeDocument/2006/relationships" xmlns:p="http://schemas.openxmlformats.org/presentationml/2006/main">
   <p:cSld>
     <p:spTree>
@@ -10156,7 +10581,7 @@
 </p:sld>
 </file>
 
-<file path=ppt/slides/slide22.xml><?xml version="1.0" encoding="utf-8"?>
+<file path=ppt/slides/slide23.xml><?xml version="1.0" encoding="utf-8"?>
 <p:sld xmlns:a="http://schemas.openxmlformats.org/drawingml/2006/main" xmlns:r="http://schemas.openxmlformats.org/officeDocument/2006/relationships" xmlns:p="http://schemas.openxmlformats.org/presentationml/2006/main">
   <p:cSld>
     <p:bg>
@@ -10236,7 +10661,7 @@
 </p:sld>
 </file>
 
-<file path=ppt/slides/slide23.xml><?xml version="1.0" encoding="utf-8"?>
+<file path=ppt/slides/slide24.xml><?xml version="1.0" encoding="utf-8"?>
 <p:sld xmlns:a="http://schemas.openxmlformats.org/drawingml/2006/main" xmlns:r="http://schemas.openxmlformats.org/officeDocument/2006/relationships" xmlns:p="http://schemas.openxmlformats.org/presentationml/2006/main">
   <p:cSld>
     <p:spTree>
@@ -10451,7 +10876,7 @@
 </p:sld>
 </file>
 
-<file path=ppt/slides/slide24.xml><?xml version="1.0" encoding="utf-8"?>
+<file path=ppt/slides/slide25.xml><?xml version="1.0" encoding="utf-8"?>
 <p:sld xmlns:a="http://schemas.openxmlformats.org/drawingml/2006/main" xmlns:r="http://schemas.openxmlformats.org/officeDocument/2006/relationships" xmlns:p="http://schemas.openxmlformats.org/presentationml/2006/main">
   <p:cSld>
     <p:bg>
@@ -10531,7 +10956,7 @@
 </p:sld>
 </file>
 
-<file path=ppt/slides/slide25.xml><?xml version="1.0" encoding="utf-8"?>
+<file path=ppt/slides/slide26.xml><?xml version="1.0" encoding="utf-8"?>
 <p:sld xmlns:a="http://schemas.openxmlformats.org/drawingml/2006/main" xmlns:r="http://schemas.openxmlformats.org/officeDocument/2006/relationships" xmlns:p="http://schemas.openxmlformats.org/presentationml/2006/main">
   <p:cSld>
     <p:spTree>
@@ -10746,7 +11171,7 @@
 </p:sld>
 </file>
 
-<file path=ppt/slides/slide26.xml><?xml version="1.0" encoding="utf-8"?>
+<file path=ppt/slides/slide27.xml><?xml version="1.0" encoding="utf-8"?>
 <p:sld xmlns:a="http://schemas.openxmlformats.org/drawingml/2006/main" xmlns:r="http://schemas.openxmlformats.org/officeDocument/2006/relationships" xmlns:p="http://schemas.openxmlformats.org/presentationml/2006/main">
   <p:cSld>
     <p:bg>
@@ -10839,77 +11264,6 @@
     <p:extLst>
       <p:ext uri="{BB962C8B-B14F-4D97-AF65-F5344CB8AC3E}">
         <p14:creationId xmlns:p14="http://schemas.microsoft.com/office/powerpoint/2010/main" val="146530540"/>
-      </p:ext>
-    </p:extLst>
-  </p:cSld>
-  <p:clrMapOvr>
-    <a:masterClrMapping/>
-  </p:clrMapOvr>
-</p:sld>
-</file>
-
-<file path=ppt/slides/slide27.xml><?xml version="1.0" encoding="utf-8"?>
-<p:sld xmlns:a="http://schemas.openxmlformats.org/drawingml/2006/main" xmlns:r="http://schemas.openxmlformats.org/officeDocument/2006/relationships" xmlns:p="http://schemas.openxmlformats.org/presentationml/2006/main">
-  <p:cSld>
-    <p:bg>
-      <p:bgPr>
-        <a:solidFill>
-          <a:srgbClr val="D9EAD3"/>
-        </a:solidFill>
-        <a:effectLst/>
-      </p:bgPr>
-    </p:bg>
-    <p:spTree>
-      <p:nvGrpSpPr>
-        <p:cNvPr id="1" name="Shape 72"/>
-        <p:cNvGrpSpPr/>
-        <p:nvPr/>
-      </p:nvGrpSpPr>
-      <p:grpSpPr>
-        <a:xfrm>
-          <a:off x="0" y="0"/>
-          <a:ext cx="0" cy="0"/>
-          <a:chOff x="0" y="0"/>
-          <a:chExt cx="0" cy="0"/>
-        </a:xfrm>
-      </p:grpSpPr>
-      <p:sp>
-        <p:nvSpPr>
-          <p:cNvPr id="73" name="Google Shape;73;p16"/>
-          <p:cNvSpPr txBox="1">
-            <a:spLocks noGrp="1"/>
-          </p:cNvSpPr>
-          <p:nvPr>
-            <p:ph type="title"/>
-          </p:nvPr>
-        </p:nvSpPr>
-        <p:spPr>
-          <a:xfrm>
-            <a:off x="311700" y="445025"/>
-            <a:ext cx="8520600" cy="1098739"/>
-          </a:xfrm>
-          <a:prstGeom prst="rect">
-            <a:avLst/>
-          </a:prstGeom>
-        </p:spPr>
-        <p:txBody>
-          <a:bodyPr spcFirstLastPara="1" wrap="square" lIns="91425" tIns="91425" rIns="91425" bIns="91425" anchor="t" anchorCtr="0">
-            <a:noAutofit/>
-          </a:bodyPr>
-          <a:lstStyle/>
-          <a:p>
-            <a:r>
-              <a:rPr lang="en" dirty="0"/>
-              <a:t>Functional Testing (Screenshot and explain how you tested your program – use the testing template)</a:t>
-            </a:r>
-            <a:endParaRPr dirty="0"/>
-          </a:p>
-        </p:txBody>
-      </p:sp>
-    </p:spTree>
-    <p:extLst>
-      <p:ext uri="{BB962C8B-B14F-4D97-AF65-F5344CB8AC3E}">
-        <p14:creationId xmlns:p14="http://schemas.microsoft.com/office/powerpoint/2010/main" val="1781413307"/>
       </p:ext>
     </p:extLst>
   </p:cSld>
@@ -10971,15 +11325,16 @@
           <a:p>
             <a:r>
               <a:rPr lang="en" dirty="0"/>
-              <a:t>Using evidence of testing show how you refined your program (duplicate slides)</a:t>
+              <a:t>Functional Testing (Screenshot and explain how you tested your program – use the testing template)</a:t>
             </a:r>
+            <a:endParaRPr dirty="0"/>
           </a:p>
         </p:txBody>
       </p:sp>
     </p:spTree>
     <p:extLst>
       <p:ext uri="{BB962C8B-B14F-4D97-AF65-F5344CB8AC3E}">
-        <p14:creationId xmlns:p14="http://schemas.microsoft.com/office/powerpoint/2010/main" val="3394932069"/>
+        <p14:creationId xmlns:p14="http://schemas.microsoft.com/office/powerpoint/2010/main" val="1781413307"/>
       </p:ext>
     </p:extLst>
   </p:cSld>
@@ -11041,16 +11396,15 @@
           <a:p>
             <a:r>
               <a:rPr lang="en" dirty="0"/>
-              <a:t>User Testing (Screenshot and show feedback from a range of users/testers)</a:t>
+              <a:t>Using evidence of testing show how you refined your program (duplicate slides)</a:t>
             </a:r>
-            <a:endParaRPr dirty="0"/>
           </a:p>
         </p:txBody>
       </p:sp>
     </p:spTree>
     <p:extLst>
       <p:ext uri="{BB962C8B-B14F-4D97-AF65-F5344CB8AC3E}">
-        <p14:creationId xmlns:p14="http://schemas.microsoft.com/office/powerpoint/2010/main" val="2712176924"/>
+        <p14:creationId xmlns:p14="http://schemas.microsoft.com/office/powerpoint/2010/main" val="3394932069"/>
       </p:ext>
     </p:extLst>
   </p:cSld>
@@ -11313,6 +11667,77 @@
           <a:p>
             <a:r>
               <a:rPr lang="en" dirty="0"/>
+              <a:t>User Testing (Screenshot and show feedback from a range of users/testers)</a:t>
+            </a:r>
+            <a:endParaRPr dirty="0"/>
+          </a:p>
+        </p:txBody>
+      </p:sp>
+    </p:spTree>
+    <p:extLst>
+      <p:ext uri="{BB962C8B-B14F-4D97-AF65-F5344CB8AC3E}">
+        <p14:creationId xmlns:p14="http://schemas.microsoft.com/office/powerpoint/2010/main" val="2712176924"/>
+      </p:ext>
+    </p:extLst>
+  </p:cSld>
+  <p:clrMapOvr>
+    <a:masterClrMapping/>
+  </p:clrMapOvr>
+</p:sld>
+</file>
+
+<file path=ppt/slides/slide31.xml><?xml version="1.0" encoding="utf-8"?>
+<p:sld xmlns:a="http://schemas.openxmlformats.org/drawingml/2006/main" xmlns:r="http://schemas.openxmlformats.org/officeDocument/2006/relationships" xmlns:p="http://schemas.openxmlformats.org/presentationml/2006/main">
+  <p:cSld>
+    <p:bg>
+      <p:bgPr>
+        <a:solidFill>
+          <a:srgbClr val="D9EAD3"/>
+        </a:solidFill>
+        <a:effectLst/>
+      </p:bgPr>
+    </p:bg>
+    <p:spTree>
+      <p:nvGrpSpPr>
+        <p:cNvPr id="1" name="Shape 72"/>
+        <p:cNvGrpSpPr/>
+        <p:nvPr/>
+      </p:nvGrpSpPr>
+      <p:grpSpPr>
+        <a:xfrm>
+          <a:off x="0" y="0"/>
+          <a:ext cx="0" cy="0"/>
+          <a:chOff x="0" y="0"/>
+          <a:chExt cx="0" cy="0"/>
+        </a:xfrm>
+      </p:grpSpPr>
+      <p:sp>
+        <p:nvSpPr>
+          <p:cNvPr id="73" name="Google Shape;73;p16"/>
+          <p:cNvSpPr txBox="1">
+            <a:spLocks noGrp="1"/>
+          </p:cNvSpPr>
+          <p:nvPr>
+            <p:ph type="title"/>
+          </p:nvPr>
+        </p:nvSpPr>
+        <p:spPr>
+          <a:xfrm>
+            <a:off x="311700" y="445025"/>
+            <a:ext cx="8520600" cy="1098739"/>
+          </a:xfrm>
+          <a:prstGeom prst="rect">
+            <a:avLst/>
+          </a:prstGeom>
+        </p:spPr>
+        <p:txBody>
+          <a:bodyPr spcFirstLastPara="1" wrap="square" lIns="91425" tIns="91425" rIns="91425" bIns="91425" anchor="t" anchorCtr="0">
+            <a:noAutofit/>
+          </a:bodyPr>
+          <a:lstStyle/>
+          <a:p>
+            <a:r>
+              <a:rPr lang="en" dirty="0"/>
               <a:t>Using evidence of user feedback show how you refined your program (duplicate slides)</a:t>
             </a:r>
           </a:p>
@@ -11331,7 +11756,7 @@
 </p:sld>
 </file>
 
-<file path=ppt/slides/slide31.xml><?xml version="1.0" encoding="utf-8"?>
+<file path=ppt/slides/slide32.xml><?xml version="1.0" encoding="utf-8"?>
 <p:sld xmlns:a="http://schemas.openxmlformats.org/drawingml/2006/main" xmlns:r="http://schemas.openxmlformats.org/officeDocument/2006/relationships" xmlns:p="http://schemas.openxmlformats.org/presentationml/2006/main">
   <p:cSld>
     <p:bg>
@@ -11433,7 +11858,7 @@
 </p:sld>
 </file>
 
-<file path=ppt/slides/slide32.xml><?xml version="1.0" encoding="utf-8"?>
+<file path=ppt/slides/slide33.xml><?xml version="1.0" encoding="utf-8"?>
 <p:sld xmlns:a="http://schemas.openxmlformats.org/drawingml/2006/main" xmlns:r="http://schemas.openxmlformats.org/officeDocument/2006/relationships" xmlns:p="http://schemas.openxmlformats.org/presentationml/2006/main">
   <p:cSld>
     <p:bg>
@@ -11550,7 +11975,7 @@
 </p:sld>
 </file>
 
-<file path=ppt/slides/slide33.xml><?xml version="1.0" encoding="utf-8"?>
+<file path=ppt/slides/slide34.xml><?xml version="1.0" encoding="utf-8"?>
 <p:sld xmlns:a="http://schemas.openxmlformats.org/drawingml/2006/main" xmlns:r="http://schemas.openxmlformats.org/officeDocument/2006/relationships" xmlns:p="http://schemas.openxmlformats.org/presentationml/2006/main">
   <p:cSld>
     <p:bg>
@@ -11647,128 +12072,6 @@
     <p:extLst>
       <p:ext uri="{BB962C8B-B14F-4D97-AF65-F5344CB8AC3E}">
         <p14:creationId xmlns:p14="http://schemas.microsoft.com/office/powerpoint/2010/main" val="1602139299"/>
-      </p:ext>
-    </p:extLst>
-  </p:cSld>
-  <p:clrMapOvr>
-    <a:masterClrMapping/>
-  </p:clrMapOvr>
-</p:sld>
-</file>
-
-<file path=ppt/slides/slide34.xml><?xml version="1.0" encoding="utf-8"?>
-<p:sld xmlns:a="http://schemas.openxmlformats.org/drawingml/2006/main" xmlns:r="http://schemas.openxmlformats.org/officeDocument/2006/relationships" xmlns:p="http://schemas.openxmlformats.org/presentationml/2006/main">
-  <p:cSld>
-    <p:bg>
-      <p:bgPr>
-        <a:solidFill>
-          <a:srgbClr val="D9EAD3"/>
-        </a:solidFill>
-        <a:effectLst/>
-      </p:bgPr>
-    </p:bg>
-    <p:spTree>
-      <p:nvGrpSpPr>
-        <p:cNvPr id="1" name="Shape 83"/>
-        <p:cNvGrpSpPr/>
-        <p:nvPr/>
-      </p:nvGrpSpPr>
-      <p:grpSpPr>
-        <a:xfrm>
-          <a:off x="0" y="0"/>
-          <a:ext cx="0" cy="0"/>
-          <a:chOff x="0" y="0"/>
-          <a:chExt cx="0" cy="0"/>
-        </a:xfrm>
-      </p:grpSpPr>
-      <p:sp>
-        <p:nvSpPr>
-          <p:cNvPr id="84" name="Google Shape;84;p18"/>
-          <p:cNvSpPr txBox="1">
-            <a:spLocks noGrp="1"/>
-          </p:cNvSpPr>
-          <p:nvPr>
-            <p:ph type="title"/>
-          </p:nvPr>
-        </p:nvSpPr>
-        <p:spPr>
-          <a:xfrm>
-            <a:off x="311700" y="445025"/>
-            <a:ext cx="8520600" cy="572700"/>
-          </a:xfrm>
-          <a:prstGeom prst="rect">
-            <a:avLst/>
-          </a:prstGeom>
-        </p:spPr>
-        <p:txBody>
-          <a:bodyPr spcFirstLastPara="1" wrap="square" lIns="91425" tIns="91425" rIns="91425" bIns="91425" anchor="t" anchorCtr="0">
-            <a:noAutofit/>
-          </a:bodyPr>
-          <a:lstStyle/>
-          <a:p>
-            <a:pPr marL="0" lvl="0" indent="0" algn="l" rtl="0">
-              <a:spcBef>
-                <a:spcPts val="0"/>
-              </a:spcBef>
-              <a:spcAft>
-                <a:spcPts val="0"/>
-              </a:spcAft>
-              <a:buNone/>
-            </a:pPr>
-            <a:r>
-              <a:rPr lang="en-NZ" dirty="0"/>
-              <a:t>Python convention testing (PEP8)</a:t>
-            </a:r>
-            <a:endParaRPr dirty="0"/>
-          </a:p>
-        </p:txBody>
-      </p:sp>
-      <p:sp>
-        <p:nvSpPr>
-          <p:cNvPr id="85" name="Google Shape;85;p18"/>
-          <p:cNvSpPr txBox="1">
-            <a:spLocks noGrp="1"/>
-          </p:cNvSpPr>
-          <p:nvPr>
-            <p:ph type="body" idx="1"/>
-          </p:nvPr>
-        </p:nvSpPr>
-        <p:spPr>
-          <a:xfrm>
-            <a:off x="311700" y="1152475"/>
-            <a:ext cx="8464200" cy="3739200"/>
-          </a:xfrm>
-          <a:prstGeom prst="rect">
-            <a:avLst/>
-          </a:prstGeom>
-        </p:spPr>
-        <p:txBody>
-          <a:bodyPr spcFirstLastPara="1" wrap="square" lIns="91425" tIns="91425" rIns="91425" bIns="91425" anchor="t" anchorCtr="0">
-            <a:noAutofit/>
-          </a:bodyPr>
-          <a:lstStyle/>
-          <a:p>
-            <a:pPr marL="0" lvl="0" indent="0" algn="l" rtl="0">
-              <a:spcBef>
-                <a:spcPts val="0"/>
-              </a:spcBef>
-              <a:spcAft>
-                <a:spcPts val="1600"/>
-              </a:spcAft>
-              <a:buNone/>
-            </a:pPr>
-            <a:r>
-              <a:rPr lang="en-NZ" i="1" dirty="0"/>
-              <a:t>Screenshot of errors</a:t>
-            </a:r>
-            <a:endParaRPr i="1" dirty="0"/>
-          </a:p>
-        </p:txBody>
-      </p:sp>
-    </p:spTree>
-    <p:extLst>
-      <p:ext uri="{BB962C8B-B14F-4D97-AF65-F5344CB8AC3E}">
-        <p14:creationId xmlns:p14="http://schemas.microsoft.com/office/powerpoint/2010/main" val="2203232476"/>
       </p:ext>
     </p:extLst>
   </p:cSld>
@@ -11881,6 +12184,128 @@
             </a:pPr>
             <a:r>
               <a:rPr lang="en-NZ" i="1" dirty="0"/>
+              <a:t>Screenshot of errors</a:t>
+            </a:r>
+            <a:endParaRPr i="1" dirty="0"/>
+          </a:p>
+        </p:txBody>
+      </p:sp>
+    </p:spTree>
+    <p:extLst>
+      <p:ext uri="{BB962C8B-B14F-4D97-AF65-F5344CB8AC3E}">
+        <p14:creationId xmlns:p14="http://schemas.microsoft.com/office/powerpoint/2010/main" val="2203232476"/>
+      </p:ext>
+    </p:extLst>
+  </p:cSld>
+  <p:clrMapOvr>
+    <a:masterClrMapping/>
+  </p:clrMapOvr>
+</p:sld>
+</file>
+
+<file path=ppt/slides/slide36.xml><?xml version="1.0" encoding="utf-8"?>
+<p:sld xmlns:a="http://schemas.openxmlformats.org/drawingml/2006/main" xmlns:r="http://schemas.openxmlformats.org/officeDocument/2006/relationships" xmlns:p="http://schemas.openxmlformats.org/presentationml/2006/main">
+  <p:cSld>
+    <p:bg>
+      <p:bgPr>
+        <a:solidFill>
+          <a:srgbClr val="D9EAD3"/>
+        </a:solidFill>
+        <a:effectLst/>
+      </p:bgPr>
+    </p:bg>
+    <p:spTree>
+      <p:nvGrpSpPr>
+        <p:cNvPr id="1" name="Shape 83"/>
+        <p:cNvGrpSpPr/>
+        <p:nvPr/>
+      </p:nvGrpSpPr>
+      <p:grpSpPr>
+        <a:xfrm>
+          <a:off x="0" y="0"/>
+          <a:ext cx="0" cy="0"/>
+          <a:chOff x="0" y="0"/>
+          <a:chExt cx="0" cy="0"/>
+        </a:xfrm>
+      </p:grpSpPr>
+      <p:sp>
+        <p:nvSpPr>
+          <p:cNvPr id="84" name="Google Shape;84;p18"/>
+          <p:cNvSpPr txBox="1">
+            <a:spLocks noGrp="1"/>
+          </p:cNvSpPr>
+          <p:nvPr>
+            <p:ph type="title"/>
+          </p:nvPr>
+        </p:nvSpPr>
+        <p:spPr>
+          <a:xfrm>
+            <a:off x="311700" y="445025"/>
+            <a:ext cx="8520600" cy="572700"/>
+          </a:xfrm>
+          <a:prstGeom prst="rect">
+            <a:avLst/>
+          </a:prstGeom>
+        </p:spPr>
+        <p:txBody>
+          <a:bodyPr spcFirstLastPara="1" wrap="square" lIns="91425" tIns="91425" rIns="91425" bIns="91425" anchor="t" anchorCtr="0">
+            <a:noAutofit/>
+          </a:bodyPr>
+          <a:lstStyle/>
+          <a:p>
+            <a:pPr marL="0" lvl="0" indent="0" algn="l" rtl="0">
+              <a:spcBef>
+                <a:spcPts val="0"/>
+              </a:spcBef>
+              <a:spcAft>
+                <a:spcPts val="0"/>
+              </a:spcAft>
+              <a:buNone/>
+            </a:pPr>
+            <a:r>
+              <a:rPr lang="en-NZ" dirty="0"/>
+              <a:t>Python convention testing (PEP8)</a:t>
+            </a:r>
+            <a:endParaRPr dirty="0"/>
+          </a:p>
+        </p:txBody>
+      </p:sp>
+      <p:sp>
+        <p:nvSpPr>
+          <p:cNvPr id="85" name="Google Shape;85;p18"/>
+          <p:cNvSpPr txBox="1">
+            <a:spLocks noGrp="1"/>
+          </p:cNvSpPr>
+          <p:nvPr>
+            <p:ph type="body" idx="1"/>
+          </p:nvPr>
+        </p:nvSpPr>
+        <p:spPr>
+          <a:xfrm>
+            <a:off x="311700" y="1152475"/>
+            <a:ext cx="8464200" cy="3739200"/>
+          </a:xfrm>
+          <a:prstGeom prst="rect">
+            <a:avLst/>
+          </a:prstGeom>
+        </p:spPr>
+        <p:txBody>
+          <a:bodyPr spcFirstLastPara="1" wrap="square" lIns="91425" tIns="91425" rIns="91425" bIns="91425" anchor="t" anchorCtr="0">
+            <a:noAutofit/>
+          </a:bodyPr>
+          <a:lstStyle/>
+          <a:p>
+            <a:pPr marL="0" lvl="0" indent="0" algn="l" rtl="0">
+              <a:spcBef>
+                <a:spcPts val="0"/>
+              </a:spcBef>
+              <a:spcAft>
+                <a:spcPts val="1600"/>
+              </a:spcAft>
+              <a:buNone/>
+            </a:pPr>
+            <a:r>
+              <a:rPr lang="en-NZ" i="1" dirty="0"/>
               <a:t>Screenshot after errors fixed</a:t>
             </a:r>
             <a:endParaRPr i="1" dirty="0"/>
@@ -11900,7 +12325,7 @@
 </p:sld>
 </file>
 
-<file path=ppt/slides/slide36.xml><?xml version="1.0" encoding="utf-8"?>
+<file path=ppt/slides/slide37.xml><?xml version="1.0" encoding="utf-8"?>
 <p:sld xmlns:a="http://schemas.openxmlformats.org/drawingml/2006/main" xmlns:r="http://schemas.openxmlformats.org/officeDocument/2006/relationships" xmlns:p="http://schemas.openxmlformats.org/presentationml/2006/main">
   <p:cSld>
     <p:bg>

--- a/Danett Pepito - 000_91896 _ 91897 Documentation - 2150400.pptx
+++ b/Danett Pepito - 000_91896 _ 91897 Documentation - 2150400.pptx
@@ -5,7 +5,7 @@
     <p:sldMasterId id="2147483659" r:id="rId1"/>
   </p:sldMasterIdLst>
   <p:notesMasterIdLst>
-    <p:notesMasterId r:id="rId39"/>
+    <p:notesMasterId r:id="rId40"/>
   </p:notesMasterIdLst>
   <p:sldIdLst>
     <p:sldId id="256" r:id="rId2"/>
@@ -24,27 +24,28 @@
     <p:sldId id="259" r:id="rId15"/>
     <p:sldId id="260" r:id="rId16"/>
     <p:sldId id="294" r:id="rId17"/>
-    <p:sldId id="272" r:id="rId18"/>
-    <p:sldId id="273" r:id="rId19"/>
-    <p:sldId id="274" r:id="rId20"/>
-    <p:sldId id="275" r:id="rId21"/>
-    <p:sldId id="276" r:id="rId22"/>
-    <p:sldId id="277" r:id="rId23"/>
-    <p:sldId id="278" r:id="rId24"/>
-    <p:sldId id="279" r:id="rId25"/>
-    <p:sldId id="280" r:id="rId26"/>
-    <p:sldId id="281" r:id="rId27"/>
-    <p:sldId id="282" r:id="rId28"/>
-    <p:sldId id="288" r:id="rId29"/>
-    <p:sldId id="290" r:id="rId30"/>
-    <p:sldId id="292" r:id="rId31"/>
-    <p:sldId id="291" r:id="rId32"/>
-    <p:sldId id="285" r:id="rId33"/>
-    <p:sldId id="261" r:id="rId34"/>
-    <p:sldId id="284" r:id="rId35"/>
-    <p:sldId id="286" r:id="rId36"/>
-    <p:sldId id="287" r:id="rId37"/>
-    <p:sldId id="262" r:id="rId38"/>
+    <p:sldId id="296" r:id="rId18"/>
+    <p:sldId id="272" r:id="rId19"/>
+    <p:sldId id="273" r:id="rId20"/>
+    <p:sldId id="274" r:id="rId21"/>
+    <p:sldId id="275" r:id="rId22"/>
+    <p:sldId id="276" r:id="rId23"/>
+    <p:sldId id="277" r:id="rId24"/>
+    <p:sldId id="278" r:id="rId25"/>
+    <p:sldId id="279" r:id="rId26"/>
+    <p:sldId id="280" r:id="rId27"/>
+    <p:sldId id="281" r:id="rId28"/>
+    <p:sldId id="282" r:id="rId29"/>
+    <p:sldId id="288" r:id="rId30"/>
+    <p:sldId id="290" r:id="rId31"/>
+    <p:sldId id="292" r:id="rId32"/>
+    <p:sldId id="291" r:id="rId33"/>
+    <p:sldId id="285" r:id="rId34"/>
+    <p:sldId id="261" r:id="rId35"/>
+    <p:sldId id="284" r:id="rId36"/>
+    <p:sldId id="286" r:id="rId37"/>
+    <p:sldId id="287" r:id="rId38"/>
+    <p:sldId id="262" r:id="rId39"/>
   </p:sldIdLst>
   <p:sldSz cx="9144000" cy="5143500" type="screen16x9"/>
   <p:notesSz cx="6858000" cy="9144000"/>
@@ -299,6 +300,7 @@
 <file path=ppt/revisionInfo.xml><?xml version="1.0" encoding="utf-8"?>
 <p1510:revInfo xmlns:a="http://schemas.openxmlformats.org/drawingml/2006/main" xmlns:r="http://schemas.openxmlformats.org/officeDocument/2006/relationships" xmlns:p1510="http://schemas.microsoft.com/office/powerpoint/2015/10/main">
   <p1510:revLst>
+    <p1510:client id="{B2185394-3AFD-42B2-9285-3B672C598A56}" v="1" dt="2022-03-15T20:40:24.120"/>
     <p1510:client id="{C110F275-9CF3-4031-BB66-BB2F047AFD0F}" v="15" dt="2022-03-15T20:09:54.759"/>
   </p1510:revLst>
 </p1510:revInfo>
@@ -308,8 +310,8 @@
 <pc:chgInfo xmlns:a="http://schemas.openxmlformats.org/drawingml/2006/main" xmlns:r="http://schemas.openxmlformats.org/officeDocument/2006/relationships" xmlns:ac="http://schemas.microsoft.com/office/drawing/2013/main/command" xmlns:pc="http://schemas.microsoft.com/office/powerpoint/2013/main/command">
   <pc:docChgLst>
     <pc:chgData name="Danett Pepito" userId="ddef1e2176689e9a" providerId="LiveId" clId="{B2185394-3AFD-42B2-9285-3B672C598A56}"/>
-    <pc:docChg chg="custSel addSld delSld modSld">
-      <pc:chgData name="Danett Pepito" userId="ddef1e2176689e9a" providerId="LiveId" clId="{B2185394-3AFD-42B2-9285-3B672C598A56}" dt="2022-03-15T20:32:32.185" v="143" actId="1076"/>
+    <pc:docChg chg="custSel addSld delSld modSld sldOrd">
+      <pc:chgData name="Danett Pepito" userId="ddef1e2176689e9a" providerId="LiveId" clId="{B2185394-3AFD-42B2-9285-3B672C598A56}" dt="2022-03-15T20:44:15.853" v="181" actId="1076"/>
       <pc:docMkLst>
         <pc:docMk/>
       </pc:docMkLst>
@@ -360,6 +362,21 @@
           </ac:picMkLst>
         </pc:picChg>
       </pc:sldChg>
+      <pc:sldChg chg="modSp mod">
+        <pc:chgData name="Danett Pepito" userId="ddef1e2176689e9a" providerId="LiveId" clId="{B2185394-3AFD-42B2-9285-3B672C598A56}" dt="2022-03-15T20:37:37.301" v="145" actId="113"/>
+        <pc:sldMkLst>
+          <pc:docMk/>
+          <pc:sldMk cId="2095003138" sldId="272"/>
+        </pc:sldMkLst>
+        <pc:spChg chg="mod">
+          <ac:chgData name="Danett Pepito" userId="ddef1e2176689e9a" providerId="LiveId" clId="{B2185394-3AFD-42B2-9285-3B672C598A56}" dt="2022-03-15T20:37:37.301" v="145" actId="113"/>
+          <ac:spMkLst>
+            <pc:docMk/>
+            <pc:sldMk cId="2095003138" sldId="272"/>
+            <ac:spMk id="73" creationId="{00000000-0000-0000-0000-000000000000}"/>
+          </ac:spMkLst>
+        </pc:spChg>
+      </pc:sldChg>
       <pc:sldChg chg="addSp delSp modSp add mod">
         <pc:chgData name="Danett Pepito" userId="ddef1e2176689e9a" providerId="LiveId" clId="{B2185394-3AFD-42B2-9285-3B672C598A56}" dt="2022-03-15T20:32:32.185" v="143" actId="1076"/>
         <pc:sldMkLst>
@@ -391,12 +408,74 @@
           </ac:picMkLst>
         </pc:picChg>
       </pc:sldChg>
+      <pc:sldChg chg="add del">
+        <pc:chgData name="Danett Pepito" userId="ddef1e2176689e9a" providerId="LiveId" clId="{B2185394-3AFD-42B2-9285-3B672C598A56}" dt="2022-03-15T20:38:25.753" v="147" actId="47"/>
+        <pc:sldMkLst>
+          <pc:docMk/>
+          <pc:sldMk cId="1122115250" sldId="295"/>
+        </pc:sldMkLst>
+      </pc:sldChg>
       <pc:sldChg chg="add del replId">
         <pc:chgData name="Danett Pepito" userId="ddef1e2176689e9a" providerId="LiveId" clId="{B2185394-3AFD-42B2-9285-3B672C598A56}" dt="2022-03-15T20:31:12.342" v="139" actId="47"/>
         <pc:sldMkLst>
           <pc:docMk/>
           <pc:sldMk cId="3468423955" sldId="295"/>
         </pc:sldMkLst>
+      </pc:sldChg>
+      <pc:sldChg chg="addSp delSp modSp add mod ord replId">
+        <pc:chgData name="Danett Pepito" userId="ddef1e2176689e9a" providerId="LiveId" clId="{B2185394-3AFD-42B2-9285-3B672C598A56}" dt="2022-03-15T20:44:15.853" v="181" actId="1076"/>
+        <pc:sldMkLst>
+          <pc:docMk/>
+          <pc:sldMk cId="3990411387" sldId="296"/>
+        </pc:sldMkLst>
+        <pc:spChg chg="mod">
+          <ac:chgData name="Danett Pepito" userId="ddef1e2176689e9a" providerId="LiveId" clId="{B2185394-3AFD-42B2-9285-3B672C598A56}" dt="2022-03-15T20:38:40.141" v="161" actId="20577"/>
+          <ac:spMkLst>
+            <pc:docMk/>
+            <pc:sldMk cId="3990411387" sldId="296"/>
+            <ac:spMk id="78" creationId="{00000000-0000-0000-0000-000000000000}"/>
+          </ac:spMkLst>
+        </pc:spChg>
+        <pc:picChg chg="del">
+          <ac:chgData name="Danett Pepito" userId="ddef1e2176689e9a" providerId="LiveId" clId="{B2185394-3AFD-42B2-9285-3B672C598A56}" dt="2022-03-15T20:38:43.547" v="162" actId="478"/>
+          <ac:picMkLst>
+            <pc:docMk/>
+            <pc:sldMk cId="3990411387" sldId="296"/>
+            <ac:picMk id="3" creationId="{1ABFC708-2EF5-4826-97A3-7137EF0DC93F}"/>
+          </ac:picMkLst>
+        </pc:picChg>
+        <pc:picChg chg="add mod">
+          <ac:chgData name="Danett Pepito" userId="ddef1e2176689e9a" providerId="LiveId" clId="{B2185394-3AFD-42B2-9285-3B672C598A56}" dt="2022-03-15T20:44:15.853" v="181" actId="1076"/>
+          <ac:picMkLst>
+            <pc:docMk/>
+            <pc:sldMk cId="3990411387" sldId="296"/>
+            <ac:picMk id="3" creationId="{583DF091-E08A-44F4-9375-AE594DFA2083}"/>
+          </ac:picMkLst>
+        </pc:picChg>
+        <pc:picChg chg="add del mod">
+          <ac:chgData name="Danett Pepito" userId="ddef1e2176689e9a" providerId="LiveId" clId="{B2185394-3AFD-42B2-9285-3B672C598A56}" dt="2022-03-15T20:44:06.180" v="176" actId="478"/>
+          <ac:picMkLst>
+            <pc:docMk/>
+            <pc:sldMk cId="3990411387" sldId="296"/>
+            <ac:picMk id="5" creationId="{74D29C73-B187-4FF4-8972-BFFD17F0A188}"/>
+          </ac:picMkLst>
+        </pc:picChg>
+        <pc:picChg chg="del">
+          <ac:chgData name="Danett Pepito" userId="ddef1e2176689e9a" providerId="LiveId" clId="{B2185394-3AFD-42B2-9285-3B672C598A56}" dt="2022-03-15T20:38:44.775" v="163" actId="478"/>
+          <ac:picMkLst>
+            <pc:docMk/>
+            <pc:sldMk cId="3990411387" sldId="296"/>
+            <ac:picMk id="6" creationId="{81680A84-6532-45CE-B533-D6BEC1FD16E4}"/>
+          </ac:picMkLst>
+        </pc:picChg>
+        <pc:picChg chg="add mod">
+          <ac:chgData name="Danett Pepito" userId="ddef1e2176689e9a" providerId="LiveId" clId="{B2185394-3AFD-42B2-9285-3B672C598A56}" dt="2022-03-15T20:40:38.671" v="175" actId="1076"/>
+          <ac:picMkLst>
+            <pc:docMk/>
+            <pc:sldMk cId="3990411387" sldId="296"/>
+            <ac:picMk id="9" creationId="{738755FF-7557-4E46-8767-E773EF9DD4CF}"/>
+          </ac:picMkLst>
+        </pc:picChg>
       </pc:sldChg>
     </pc:docChg>
   </pc:docChgLst>
@@ -953,6 +1032,115 @@
   <p:cSld>
     <p:spTree>
       <p:nvGrpSpPr>
+        <p:cNvPr id="1" name="Shape 69"/>
+        <p:cNvGrpSpPr/>
+        <p:nvPr/>
+      </p:nvGrpSpPr>
+      <p:grpSpPr>
+        <a:xfrm>
+          <a:off x="0" y="0"/>
+          <a:ext cx="0" cy="0"/>
+          <a:chOff x="0" y="0"/>
+          <a:chExt cx="0" cy="0"/>
+        </a:xfrm>
+      </p:grpSpPr>
+      <p:sp>
+        <p:nvSpPr>
+          <p:cNvPr id="70" name="Google Shape;70;gac10fef634_0_16:notes"/>
+          <p:cNvSpPr>
+            <a:spLocks noGrp="1" noRot="1" noChangeAspect="1"/>
+          </p:cNvSpPr>
+          <p:nvPr>
+            <p:ph type="sldImg" idx="2"/>
+          </p:nvPr>
+        </p:nvSpPr>
+        <p:spPr>
+          <a:xfrm>
+            <a:off x="381000" y="685800"/>
+            <a:ext cx="6096000" cy="3429000"/>
+          </a:xfrm>
+          <a:custGeom>
+            <a:avLst/>
+            <a:gdLst/>
+            <a:ahLst/>
+            <a:cxnLst/>
+            <a:rect l="l" t="t" r="r" b="b"/>
+            <a:pathLst>
+              <a:path w="120000" h="120000" extrusionOk="0">
+                <a:moveTo>
+                  <a:pt x="0" y="0"/>
+                </a:moveTo>
+                <a:lnTo>
+                  <a:pt x="120000" y="0"/>
+                </a:lnTo>
+                <a:lnTo>
+                  <a:pt x="120000" y="120000"/>
+                </a:lnTo>
+                <a:lnTo>
+                  <a:pt x="0" y="120000"/>
+                </a:lnTo>
+                <a:close/>
+              </a:path>
+            </a:pathLst>
+          </a:custGeom>
+        </p:spPr>
+      </p:sp>
+      <p:sp>
+        <p:nvSpPr>
+          <p:cNvPr id="71" name="Google Shape;71;gac10fef634_0_16:notes"/>
+          <p:cNvSpPr txBox="1">
+            <a:spLocks noGrp="1"/>
+          </p:cNvSpPr>
+          <p:nvPr>
+            <p:ph type="body" idx="1"/>
+          </p:nvPr>
+        </p:nvSpPr>
+        <p:spPr>
+          <a:xfrm>
+            <a:off x="685800" y="4343400"/>
+            <a:ext cx="5486400" cy="4114800"/>
+          </a:xfrm>
+          <a:prstGeom prst="rect">
+            <a:avLst/>
+          </a:prstGeom>
+        </p:spPr>
+        <p:txBody>
+          <a:bodyPr spcFirstLastPara="1" wrap="square" lIns="91425" tIns="91425" rIns="91425" bIns="91425" anchor="t" anchorCtr="0">
+            <a:noAutofit/>
+          </a:bodyPr>
+          <a:lstStyle/>
+          <a:p>
+            <a:pPr marL="0" lvl="0" indent="0" algn="l" rtl="0">
+              <a:spcBef>
+                <a:spcPts val="0"/>
+              </a:spcBef>
+              <a:spcAft>
+                <a:spcPts val="0"/>
+              </a:spcAft>
+              <a:buNone/>
+            </a:pPr>
+            <a:endParaRPr/>
+          </a:p>
+        </p:txBody>
+      </p:sp>
+    </p:spTree>
+    <p:extLst>
+      <p:ext uri="{BB962C8B-B14F-4D97-AF65-F5344CB8AC3E}">
+        <p14:creationId xmlns:p14="http://schemas.microsoft.com/office/powerpoint/2010/main" val="3145666181"/>
+      </p:ext>
+    </p:extLst>
+  </p:cSld>
+  <p:clrMapOvr>
+    <a:masterClrMapping/>
+  </p:clrMapOvr>
+</p:notes>
+</file>
+
+<file path=ppt/notesSlides/notesSlide11.xml><?xml version="1.0" encoding="utf-8"?>
+<p:notes xmlns:a="http://schemas.openxmlformats.org/drawingml/2006/main" xmlns:r="http://schemas.openxmlformats.org/officeDocument/2006/relationships" xmlns:p="http://schemas.openxmlformats.org/presentationml/2006/main" showMasterSp="0" showMasterPhAnim="0">
+  <p:cSld>
+    <p:spTree>
+      <p:nvGrpSpPr>
         <p:cNvPr id="1" name="Shape 74"/>
         <p:cNvGrpSpPr/>
         <p:nvPr/>
@@ -1057,7 +1245,7 @@
 </p:notes>
 </file>
 
-<file path=ppt/notesSlides/notesSlide11.xml><?xml version="1.0" encoding="utf-8"?>
+<file path=ppt/notesSlides/notesSlide12.xml><?xml version="1.0" encoding="utf-8"?>
 <p:notes xmlns:a="http://schemas.openxmlformats.org/drawingml/2006/main" xmlns:r="http://schemas.openxmlformats.org/officeDocument/2006/relationships" xmlns:p="http://schemas.openxmlformats.org/presentationml/2006/main" showMasterSp="0" showMasterPhAnim="0">
   <p:cSld>
     <p:spTree>
@@ -1166,7 +1354,7 @@
 </p:notes>
 </file>
 
-<file path=ppt/notesSlides/notesSlide12.xml><?xml version="1.0" encoding="utf-8"?>
+<file path=ppt/notesSlides/notesSlide13.xml><?xml version="1.0" encoding="utf-8"?>
 <p:notes xmlns:a="http://schemas.openxmlformats.org/drawingml/2006/main" xmlns:r="http://schemas.openxmlformats.org/officeDocument/2006/relationships" xmlns:p="http://schemas.openxmlformats.org/presentationml/2006/main" showMasterSp="0" showMasterPhAnim="0">
   <p:cSld>
     <p:spTree>
@@ -1275,7 +1463,7 @@
 </p:notes>
 </file>
 
-<file path=ppt/notesSlides/notesSlide13.xml><?xml version="1.0" encoding="utf-8"?>
+<file path=ppt/notesSlides/notesSlide14.xml><?xml version="1.0" encoding="utf-8"?>
 <p:notes xmlns:a="http://schemas.openxmlformats.org/drawingml/2006/main" xmlns:r="http://schemas.openxmlformats.org/officeDocument/2006/relationships" xmlns:p="http://schemas.openxmlformats.org/presentationml/2006/main" showMasterSp="0" showMasterPhAnim="0">
   <p:cSld>
     <p:spTree>
@@ -1384,7 +1572,7 @@
 </p:notes>
 </file>
 
-<file path=ppt/notesSlides/notesSlide14.xml><?xml version="1.0" encoding="utf-8"?>
+<file path=ppt/notesSlides/notesSlide15.xml><?xml version="1.0" encoding="utf-8"?>
 <p:notes xmlns:a="http://schemas.openxmlformats.org/drawingml/2006/main" xmlns:r="http://schemas.openxmlformats.org/officeDocument/2006/relationships" xmlns:p="http://schemas.openxmlformats.org/presentationml/2006/main" showMasterSp="0" showMasterPhAnim="0">
   <p:cSld>
     <p:spTree>
@@ -1493,7 +1681,7 @@
 </p:notes>
 </file>
 
-<file path=ppt/notesSlides/notesSlide15.xml><?xml version="1.0" encoding="utf-8"?>
+<file path=ppt/notesSlides/notesSlide16.xml><?xml version="1.0" encoding="utf-8"?>
 <p:notes xmlns:a="http://schemas.openxmlformats.org/drawingml/2006/main" xmlns:r="http://schemas.openxmlformats.org/officeDocument/2006/relationships" xmlns:p="http://schemas.openxmlformats.org/presentationml/2006/main" showMasterSp="0" showMasterPhAnim="0">
   <p:cSld>
     <p:spTree>
@@ -1602,7 +1790,7 @@
 </p:notes>
 </file>
 
-<file path=ppt/notesSlides/notesSlide16.xml><?xml version="1.0" encoding="utf-8"?>
+<file path=ppt/notesSlides/notesSlide17.xml><?xml version="1.0" encoding="utf-8"?>
 <p:notes xmlns:a="http://schemas.openxmlformats.org/drawingml/2006/main" xmlns:r="http://schemas.openxmlformats.org/officeDocument/2006/relationships" xmlns:p="http://schemas.openxmlformats.org/presentationml/2006/main" showMasterSp="0" showMasterPhAnim="0">
   <p:cSld>
     <p:spTree>
@@ -1702,115 +1890,6 @@
     <p:extLst>
       <p:ext uri="{BB962C8B-B14F-4D97-AF65-F5344CB8AC3E}">
         <p14:creationId xmlns:p14="http://schemas.microsoft.com/office/powerpoint/2010/main" val="3494323208"/>
-      </p:ext>
-    </p:extLst>
-  </p:cSld>
-  <p:clrMapOvr>
-    <a:masterClrMapping/>
-  </p:clrMapOvr>
-</p:notes>
-</file>
-
-<file path=ppt/notesSlides/notesSlide17.xml><?xml version="1.0" encoding="utf-8"?>
-<p:notes xmlns:a="http://schemas.openxmlformats.org/drawingml/2006/main" xmlns:r="http://schemas.openxmlformats.org/officeDocument/2006/relationships" xmlns:p="http://schemas.openxmlformats.org/presentationml/2006/main" showMasterSp="0" showMasterPhAnim="0">
-  <p:cSld>
-    <p:spTree>
-      <p:nvGrpSpPr>
-        <p:cNvPr id="1" name="Shape 69"/>
-        <p:cNvGrpSpPr/>
-        <p:nvPr/>
-      </p:nvGrpSpPr>
-      <p:grpSpPr>
-        <a:xfrm>
-          <a:off x="0" y="0"/>
-          <a:ext cx="0" cy="0"/>
-          <a:chOff x="0" y="0"/>
-          <a:chExt cx="0" cy="0"/>
-        </a:xfrm>
-      </p:grpSpPr>
-      <p:sp>
-        <p:nvSpPr>
-          <p:cNvPr id="70" name="Google Shape;70;gac10fef634_0_16:notes"/>
-          <p:cNvSpPr>
-            <a:spLocks noGrp="1" noRot="1" noChangeAspect="1"/>
-          </p:cNvSpPr>
-          <p:nvPr>
-            <p:ph type="sldImg" idx="2"/>
-          </p:nvPr>
-        </p:nvSpPr>
-        <p:spPr>
-          <a:xfrm>
-            <a:off x="381000" y="685800"/>
-            <a:ext cx="6096000" cy="3429000"/>
-          </a:xfrm>
-          <a:custGeom>
-            <a:avLst/>
-            <a:gdLst/>
-            <a:ahLst/>
-            <a:cxnLst/>
-            <a:rect l="l" t="t" r="r" b="b"/>
-            <a:pathLst>
-              <a:path w="120000" h="120000" extrusionOk="0">
-                <a:moveTo>
-                  <a:pt x="0" y="0"/>
-                </a:moveTo>
-                <a:lnTo>
-                  <a:pt x="120000" y="0"/>
-                </a:lnTo>
-                <a:lnTo>
-                  <a:pt x="120000" y="120000"/>
-                </a:lnTo>
-                <a:lnTo>
-                  <a:pt x="0" y="120000"/>
-                </a:lnTo>
-                <a:close/>
-              </a:path>
-            </a:pathLst>
-          </a:custGeom>
-        </p:spPr>
-      </p:sp>
-      <p:sp>
-        <p:nvSpPr>
-          <p:cNvPr id="71" name="Google Shape;71;gac10fef634_0_16:notes"/>
-          <p:cNvSpPr txBox="1">
-            <a:spLocks noGrp="1"/>
-          </p:cNvSpPr>
-          <p:nvPr>
-            <p:ph type="body" idx="1"/>
-          </p:nvPr>
-        </p:nvSpPr>
-        <p:spPr>
-          <a:xfrm>
-            <a:off x="685800" y="4343400"/>
-            <a:ext cx="5486400" cy="4114800"/>
-          </a:xfrm>
-          <a:prstGeom prst="rect">
-            <a:avLst/>
-          </a:prstGeom>
-        </p:spPr>
-        <p:txBody>
-          <a:bodyPr spcFirstLastPara="1" wrap="square" lIns="91425" tIns="91425" rIns="91425" bIns="91425" anchor="t" anchorCtr="0">
-            <a:noAutofit/>
-          </a:bodyPr>
-          <a:lstStyle/>
-          <a:p>
-            <a:pPr marL="0" lvl="0" indent="0" algn="l" rtl="0">
-              <a:spcBef>
-                <a:spcPts val="0"/>
-              </a:spcBef>
-              <a:spcAft>
-                <a:spcPts val="0"/>
-              </a:spcAft>
-              <a:buNone/>
-            </a:pPr>
-            <a:endParaRPr/>
-          </a:p>
-        </p:txBody>
-      </p:sp>
-    </p:spTree>
-    <p:extLst>
-      <p:ext uri="{BB962C8B-B14F-4D97-AF65-F5344CB8AC3E}">
-        <p14:creationId xmlns:p14="http://schemas.microsoft.com/office/powerpoint/2010/main" val="3006313543"/>
       </p:ext>
     </p:extLst>
   </p:cSld>
@@ -1919,7 +1998,7 @@
     </p:spTree>
     <p:extLst>
       <p:ext uri="{BB962C8B-B14F-4D97-AF65-F5344CB8AC3E}">
-        <p14:creationId xmlns:p14="http://schemas.microsoft.com/office/powerpoint/2010/main" val="2149026663"/>
+        <p14:creationId xmlns:p14="http://schemas.microsoft.com/office/powerpoint/2010/main" val="3006313543"/>
       </p:ext>
     </p:extLst>
   </p:cSld>
@@ -2028,7 +2107,7 @@
     </p:spTree>
     <p:extLst>
       <p:ext uri="{BB962C8B-B14F-4D97-AF65-F5344CB8AC3E}">
-        <p14:creationId xmlns:p14="http://schemas.microsoft.com/office/powerpoint/2010/main" val="3194274356"/>
+        <p14:creationId xmlns:p14="http://schemas.microsoft.com/office/powerpoint/2010/main" val="2149026663"/>
       </p:ext>
     </p:extLst>
   </p:cSld>
@@ -2246,7 +2325,7 @@
     </p:spTree>
     <p:extLst>
       <p:ext uri="{BB962C8B-B14F-4D97-AF65-F5344CB8AC3E}">
-        <p14:creationId xmlns:p14="http://schemas.microsoft.com/office/powerpoint/2010/main" val="3014292639"/>
+        <p14:creationId xmlns:p14="http://schemas.microsoft.com/office/powerpoint/2010/main" val="3194274356"/>
       </p:ext>
     </p:extLst>
   </p:cSld>
@@ -2261,7 +2340,7 @@
   <p:cSld>
     <p:spTree>
       <p:nvGrpSpPr>
-        <p:cNvPr id="1" name="Shape 80"/>
+        <p:cNvPr id="1" name="Shape 69"/>
         <p:cNvGrpSpPr/>
         <p:nvPr/>
       </p:nvGrpSpPr>
@@ -2275,7 +2354,7 @@
       </p:grpSpPr>
       <p:sp>
         <p:nvSpPr>
-          <p:cNvPr id="81" name="Google Shape;81;gac10fef634_0_25:notes"/>
+          <p:cNvPr id="70" name="Google Shape;70;gac10fef634_0_16:notes"/>
           <p:cNvSpPr>
             <a:spLocks noGrp="1" noRot="1" noChangeAspect="1"/>
           </p:cNvSpPr>
@@ -2316,7 +2395,7 @@
       </p:sp>
       <p:sp>
         <p:nvSpPr>
-          <p:cNvPr id="82" name="Google Shape;82;gac10fef634_0_25:notes"/>
+          <p:cNvPr id="71" name="Google Shape;71;gac10fef634_0_16:notes"/>
           <p:cNvSpPr txBox="1">
             <a:spLocks noGrp="1"/>
           </p:cNvSpPr>
@@ -2346,27 +2425,6 @@
               <a:spcAft>
                 <a:spcPts val="0"/>
               </a:spcAft>
-              <a:buClr>
-                <a:schemeClr val="dk1"/>
-              </a:buClr>
-              <a:buSzPts val="1100"/>
-              <a:buFont typeface="Arial"/>
-              <a:buNone/>
-            </a:pPr>
-            <a:r>
-              <a:rPr lang="en"/>
-              <a:t>Your version control evidence should go here.  This could be in the form of annotated screenshots which show you you managed this process or you could make a brief screencast explaining how you implemented version control.</a:t>
-            </a:r>
-            <a:endParaRPr/>
-          </a:p>
-          <a:p>
-            <a:pPr marL="0" lvl="0" indent="0" algn="l" rtl="0">
-              <a:spcBef>
-                <a:spcPts val="0"/>
-              </a:spcBef>
-              <a:spcAft>
-                <a:spcPts val="0"/>
-              </a:spcAft>
               <a:buNone/>
             </a:pPr>
             <a:endParaRPr/>
@@ -2374,6 +2432,11 @@
         </p:txBody>
       </p:sp>
     </p:spTree>
+    <p:extLst>
+      <p:ext uri="{BB962C8B-B14F-4D97-AF65-F5344CB8AC3E}">
+        <p14:creationId xmlns:p14="http://schemas.microsoft.com/office/powerpoint/2010/main" val="3014292639"/>
+      </p:ext>
+    </p:extLst>
   </p:cSld>
   <p:clrMapOvr>
     <a:masterClrMapping/>
@@ -2499,11 +2562,6 @@
         </p:txBody>
       </p:sp>
     </p:spTree>
-    <p:extLst>
-      <p:ext uri="{BB962C8B-B14F-4D97-AF65-F5344CB8AC3E}">
-        <p14:creationId xmlns:p14="http://schemas.microsoft.com/office/powerpoint/2010/main" val="511959585"/>
-      </p:ext>
-    </p:extLst>
   </p:cSld>
   <p:clrMapOvr>
     <a:masterClrMapping/>
@@ -2631,6 +2689,136 @@
     </p:spTree>
     <p:extLst>
       <p:ext uri="{BB962C8B-B14F-4D97-AF65-F5344CB8AC3E}">
+        <p14:creationId xmlns:p14="http://schemas.microsoft.com/office/powerpoint/2010/main" val="511959585"/>
+      </p:ext>
+    </p:extLst>
+  </p:cSld>
+  <p:clrMapOvr>
+    <a:masterClrMapping/>
+  </p:clrMapOvr>
+</p:notes>
+</file>
+
+<file path=ppt/notesSlides/notesSlide24.xml><?xml version="1.0" encoding="utf-8"?>
+<p:notes xmlns:a="http://schemas.openxmlformats.org/drawingml/2006/main" xmlns:r="http://schemas.openxmlformats.org/officeDocument/2006/relationships" xmlns:p="http://schemas.openxmlformats.org/presentationml/2006/main" showMasterSp="0" showMasterPhAnim="0">
+  <p:cSld>
+    <p:spTree>
+      <p:nvGrpSpPr>
+        <p:cNvPr id="1" name="Shape 80"/>
+        <p:cNvGrpSpPr/>
+        <p:nvPr/>
+      </p:nvGrpSpPr>
+      <p:grpSpPr>
+        <a:xfrm>
+          <a:off x="0" y="0"/>
+          <a:ext cx="0" cy="0"/>
+          <a:chOff x="0" y="0"/>
+          <a:chExt cx="0" cy="0"/>
+        </a:xfrm>
+      </p:grpSpPr>
+      <p:sp>
+        <p:nvSpPr>
+          <p:cNvPr id="81" name="Google Shape;81;gac10fef634_0_25:notes"/>
+          <p:cNvSpPr>
+            <a:spLocks noGrp="1" noRot="1" noChangeAspect="1"/>
+          </p:cNvSpPr>
+          <p:nvPr>
+            <p:ph type="sldImg" idx="2"/>
+          </p:nvPr>
+        </p:nvSpPr>
+        <p:spPr>
+          <a:xfrm>
+            <a:off x="381000" y="685800"/>
+            <a:ext cx="6096000" cy="3429000"/>
+          </a:xfrm>
+          <a:custGeom>
+            <a:avLst/>
+            <a:gdLst/>
+            <a:ahLst/>
+            <a:cxnLst/>
+            <a:rect l="l" t="t" r="r" b="b"/>
+            <a:pathLst>
+              <a:path w="120000" h="120000" extrusionOk="0">
+                <a:moveTo>
+                  <a:pt x="0" y="0"/>
+                </a:moveTo>
+                <a:lnTo>
+                  <a:pt x="120000" y="0"/>
+                </a:lnTo>
+                <a:lnTo>
+                  <a:pt x="120000" y="120000"/>
+                </a:lnTo>
+                <a:lnTo>
+                  <a:pt x="0" y="120000"/>
+                </a:lnTo>
+                <a:close/>
+              </a:path>
+            </a:pathLst>
+          </a:custGeom>
+        </p:spPr>
+      </p:sp>
+      <p:sp>
+        <p:nvSpPr>
+          <p:cNvPr id="82" name="Google Shape;82;gac10fef634_0_25:notes"/>
+          <p:cNvSpPr txBox="1">
+            <a:spLocks noGrp="1"/>
+          </p:cNvSpPr>
+          <p:nvPr>
+            <p:ph type="body" idx="1"/>
+          </p:nvPr>
+        </p:nvSpPr>
+        <p:spPr>
+          <a:xfrm>
+            <a:off x="685800" y="4343400"/>
+            <a:ext cx="5486400" cy="4114800"/>
+          </a:xfrm>
+          <a:prstGeom prst="rect">
+            <a:avLst/>
+          </a:prstGeom>
+        </p:spPr>
+        <p:txBody>
+          <a:bodyPr spcFirstLastPara="1" wrap="square" lIns="91425" tIns="91425" rIns="91425" bIns="91425" anchor="t" anchorCtr="0">
+            <a:noAutofit/>
+          </a:bodyPr>
+          <a:lstStyle/>
+          <a:p>
+            <a:pPr marL="0" lvl="0" indent="0" algn="l" rtl="0">
+              <a:spcBef>
+                <a:spcPts val="0"/>
+              </a:spcBef>
+              <a:spcAft>
+                <a:spcPts val="0"/>
+              </a:spcAft>
+              <a:buClr>
+                <a:schemeClr val="dk1"/>
+              </a:buClr>
+              <a:buSzPts val="1100"/>
+              <a:buFont typeface="Arial"/>
+              <a:buNone/>
+            </a:pPr>
+            <a:r>
+              <a:rPr lang="en"/>
+              <a:t>Your version control evidence should go here.  This could be in the form of annotated screenshots which show you you managed this process or you could make a brief screencast explaining how you implemented version control.</a:t>
+            </a:r>
+            <a:endParaRPr/>
+          </a:p>
+          <a:p>
+            <a:pPr marL="0" lvl="0" indent="0" algn="l" rtl="0">
+              <a:spcBef>
+                <a:spcPts val="0"/>
+              </a:spcBef>
+              <a:spcAft>
+                <a:spcPts val="0"/>
+              </a:spcAft>
+              <a:buNone/>
+            </a:pPr>
+            <a:endParaRPr/>
+          </a:p>
+        </p:txBody>
+      </p:sp>
+    </p:spTree>
+    <p:extLst>
+      <p:ext uri="{BB962C8B-B14F-4D97-AF65-F5344CB8AC3E}">
         <p14:creationId xmlns:p14="http://schemas.microsoft.com/office/powerpoint/2010/main" val="3815843750"/>
       </p:ext>
     </p:extLst>
@@ -2641,7 +2829,7 @@
 </p:notes>
 </file>
 
-<file path=ppt/notesSlides/notesSlide24.xml><?xml version="1.0" encoding="utf-8"?>
+<file path=ppt/notesSlides/notesSlide25.xml><?xml version="1.0" encoding="utf-8"?>
 <p:notes xmlns:a="http://schemas.openxmlformats.org/drawingml/2006/main" xmlns:r="http://schemas.openxmlformats.org/officeDocument/2006/relationships" xmlns:p="http://schemas.openxmlformats.org/presentationml/2006/main" showMasterSp="0" showMasterPhAnim="0">
   <p:cSld>
     <p:spTree>
@@ -3196,6 +3384,115 @@
   <p:cSld>
     <p:spTree>
       <p:nvGrpSpPr>
+        <p:cNvPr id="1" name="Shape 74"/>
+        <p:cNvGrpSpPr/>
+        <p:nvPr/>
+      </p:nvGrpSpPr>
+      <p:grpSpPr>
+        <a:xfrm>
+          <a:off x="0" y="0"/>
+          <a:ext cx="0" cy="0"/>
+          <a:chOff x="0" y="0"/>
+          <a:chExt cx="0" cy="0"/>
+        </a:xfrm>
+      </p:grpSpPr>
+      <p:sp>
+        <p:nvSpPr>
+          <p:cNvPr id="75" name="Google Shape;75;gac10fef634_0_20:notes"/>
+          <p:cNvSpPr>
+            <a:spLocks noGrp="1" noRot="1" noChangeAspect="1"/>
+          </p:cNvSpPr>
+          <p:nvPr>
+            <p:ph type="sldImg" idx="2"/>
+          </p:nvPr>
+        </p:nvSpPr>
+        <p:spPr>
+          <a:xfrm>
+            <a:off x="381000" y="685800"/>
+            <a:ext cx="6096000" cy="3429000"/>
+          </a:xfrm>
+          <a:custGeom>
+            <a:avLst/>
+            <a:gdLst/>
+            <a:ahLst/>
+            <a:cxnLst/>
+            <a:rect l="l" t="t" r="r" b="b"/>
+            <a:pathLst>
+              <a:path w="120000" h="120000" extrusionOk="0">
+                <a:moveTo>
+                  <a:pt x="0" y="0"/>
+                </a:moveTo>
+                <a:lnTo>
+                  <a:pt x="120000" y="0"/>
+                </a:lnTo>
+                <a:lnTo>
+                  <a:pt x="120000" y="120000"/>
+                </a:lnTo>
+                <a:lnTo>
+                  <a:pt x="0" y="120000"/>
+                </a:lnTo>
+                <a:close/>
+              </a:path>
+            </a:pathLst>
+          </a:custGeom>
+        </p:spPr>
+      </p:sp>
+      <p:sp>
+        <p:nvSpPr>
+          <p:cNvPr id="76" name="Google Shape;76;gac10fef634_0_20:notes"/>
+          <p:cNvSpPr txBox="1">
+            <a:spLocks noGrp="1"/>
+          </p:cNvSpPr>
+          <p:nvPr>
+            <p:ph type="body" idx="1"/>
+          </p:nvPr>
+        </p:nvSpPr>
+        <p:spPr>
+          <a:xfrm>
+            <a:off x="685800" y="4343400"/>
+            <a:ext cx="5486400" cy="4114800"/>
+          </a:xfrm>
+          <a:prstGeom prst="rect">
+            <a:avLst/>
+          </a:prstGeom>
+        </p:spPr>
+        <p:txBody>
+          <a:bodyPr spcFirstLastPara="1" wrap="square" lIns="91425" tIns="91425" rIns="91425" bIns="91425" anchor="t" anchorCtr="0">
+            <a:noAutofit/>
+          </a:bodyPr>
+          <a:lstStyle/>
+          <a:p>
+            <a:pPr marL="0" lvl="0" indent="0" algn="l" rtl="0">
+              <a:spcBef>
+                <a:spcPts val="0"/>
+              </a:spcBef>
+              <a:spcAft>
+                <a:spcPts val="0"/>
+              </a:spcAft>
+              <a:buNone/>
+            </a:pPr>
+            <a:endParaRPr/>
+          </a:p>
+        </p:txBody>
+      </p:sp>
+    </p:spTree>
+    <p:extLst>
+      <p:ext uri="{BB962C8B-B14F-4D97-AF65-F5344CB8AC3E}">
+        <p14:creationId xmlns:p14="http://schemas.microsoft.com/office/powerpoint/2010/main" val="1164048984"/>
+      </p:ext>
+    </p:extLst>
+  </p:cSld>
+  <p:clrMapOvr>
+    <a:masterClrMapping/>
+  </p:clrMapOvr>
+</p:notes>
+</file>
+
+<file path=ppt/notesSlides/notesSlide8.xml><?xml version="1.0" encoding="utf-8"?>
+<p:notes xmlns:a="http://schemas.openxmlformats.org/drawingml/2006/main" xmlns:r="http://schemas.openxmlformats.org/officeDocument/2006/relationships" xmlns:p="http://schemas.openxmlformats.org/presentationml/2006/main" showMasterSp="0" showMasterPhAnim="0">
+  <p:cSld>
+    <p:spTree>
+      <p:nvGrpSpPr>
         <p:cNvPr id="1" name="Shape 69"/>
         <p:cNvGrpSpPr/>
         <p:nvPr/>
@@ -3300,7 +3597,7 @@
 </p:notes>
 </file>
 
-<file path=ppt/notesSlides/notesSlide8.xml><?xml version="1.0" encoding="utf-8"?>
+<file path=ppt/notesSlides/notesSlide9.xml><?xml version="1.0" encoding="utf-8"?>
 <p:notes xmlns:a="http://schemas.openxmlformats.org/drawingml/2006/main" xmlns:r="http://schemas.openxmlformats.org/officeDocument/2006/relationships" xmlns:p="http://schemas.openxmlformats.org/presentationml/2006/main" showMasterSp="0" showMasterPhAnim="0">
   <p:cSld>
     <p:spTree>
@@ -3400,115 +3697,6 @@
     <p:extLst>
       <p:ext uri="{BB962C8B-B14F-4D97-AF65-F5344CB8AC3E}">
         <p14:creationId xmlns:p14="http://schemas.microsoft.com/office/powerpoint/2010/main" val="3390339999"/>
-      </p:ext>
-    </p:extLst>
-  </p:cSld>
-  <p:clrMapOvr>
-    <a:masterClrMapping/>
-  </p:clrMapOvr>
-</p:notes>
-</file>
-
-<file path=ppt/notesSlides/notesSlide9.xml><?xml version="1.0" encoding="utf-8"?>
-<p:notes xmlns:a="http://schemas.openxmlformats.org/drawingml/2006/main" xmlns:r="http://schemas.openxmlformats.org/officeDocument/2006/relationships" xmlns:p="http://schemas.openxmlformats.org/presentationml/2006/main" showMasterSp="0" showMasterPhAnim="0">
-  <p:cSld>
-    <p:spTree>
-      <p:nvGrpSpPr>
-        <p:cNvPr id="1" name="Shape 69"/>
-        <p:cNvGrpSpPr/>
-        <p:nvPr/>
-      </p:nvGrpSpPr>
-      <p:grpSpPr>
-        <a:xfrm>
-          <a:off x="0" y="0"/>
-          <a:ext cx="0" cy="0"/>
-          <a:chOff x="0" y="0"/>
-          <a:chExt cx="0" cy="0"/>
-        </a:xfrm>
-      </p:grpSpPr>
-      <p:sp>
-        <p:nvSpPr>
-          <p:cNvPr id="70" name="Google Shape;70;gac10fef634_0_16:notes"/>
-          <p:cNvSpPr>
-            <a:spLocks noGrp="1" noRot="1" noChangeAspect="1"/>
-          </p:cNvSpPr>
-          <p:nvPr>
-            <p:ph type="sldImg" idx="2"/>
-          </p:nvPr>
-        </p:nvSpPr>
-        <p:spPr>
-          <a:xfrm>
-            <a:off x="381000" y="685800"/>
-            <a:ext cx="6096000" cy="3429000"/>
-          </a:xfrm>
-          <a:custGeom>
-            <a:avLst/>
-            <a:gdLst/>
-            <a:ahLst/>
-            <a:cxnLst/>
-            <a:rect l="l" t="t" r="r" b="b"/>
-            <a:pathLst>
-              <a:path w="120000" h="120000" extrusionOk="0">
-                <a:moveTo>
-                  <a:pt x="0" y="0"/>
-                </a:moveTo>
-                <a:lnTo>
-                  <a:pt x="120000" y="0"/>
-                </a:lnTo>
-                <a:lnTo>
-                  <a:pt x="120000" y="120000"/>
-                </a:lnTo>
-                <a:lnTo>
-                  <a:pt x="0" y="120000"/>
-                </a:lnTo>
-                <a:close/>
-              </a:path>
-            </a:pathLst>
-          </a:custGeom>
-        </p:spPr>
-      </p:sp>
-      <p:sp>
-        <p:nvSpPr>
-          <p:cNvPr id="71" name="Google Shape;71;gac10fef634_0_16:notes"/>
-          <p:cNvSpPr txBox="1">
-            <a:spLocks noGrp="1"/>
-          </p:cNvSpPr>
-          <p:nvPr>
-            <p:ph type="body" idx="1"/>
-          </p:nvPr>
-        </p:nvSpPr>
-        <p:spPr>
-          <a:xfrm>
-            <a:off x="685800" y="4343400"/>
-            <a:ext cx="5486400" cy="4114800"/>
-          </a:xfrm>
-          <a:prstGeom prst="rect">
-            <a:avLst/>
-          </a:prstGeom>
-        </p:spPr>
-        <p:txBody>
-          <a:bodyPr spcFirstLastPara="1" wrap="square" lIns="91425" tIns="91425" rIns="91425" bIns="91425" anchor="t" anchorCtr="0">
-            <a:noAutofit/>
-          </a:bodyPr>
-          <a:lstStyle/>
-          <a:p>
-            <a:pPr marL="0" lvl="0" indent="0" algn="l" rtl="0">
-              <a:spcBef>
-                <a:spcPts val="0"/>
-              </a:spcBef>
-              <a:spcAft>
-                <a:spcPts val="0"/>
-              </a:spcAft>
-              <a:buNone/>
-            </a:pPr>
-            <a:endParaRPr/>
-          </a:p>
-        </p:txBody>
-      </p:sp>
-    </p:spTree>
-    <p:extLst>
-      <p:ext uri="{BB962C8B-B14F-4D97-AF65-F5344CB8AC3E}">
-        <p14:creationId xmlns:p14="http://schemas.microsoft.com/office/powerpoint/2010/main" val="3145666181"/>
       </p:ext>
     </p:extLst>
   </p:cSld>
@@ -9479,6 +9667,339 @@
 <file path=ppt/slides/slide17.xml><?xml version="1.0" encoding="utf-8"?>
 <p:sld xmlns:a="http://schemas.openxmlformats.org/drawingml/2006/main" xmlns:r="http://schemas.openxmlformats.org/officeDocument/2006/relationships" xmlns:p="http://schemas.openxmlformats.org/presentationml/2006/main">
   <p:cSld>
+    <p:spTree>
+      <p:nvGrpSpPr>
+        <p:cNvPr id="1" name="Shape 77"/>
+        <p:cNvGrpSpPr/>
+        <p:nvPr/>
+      </p:nvGrpSpPr>
+      <p:grpSpPr>
+        <a:xfrm>
+          <a:off x="0" y="0"/>
+          <a:ext cx="0" cy="0"/>
+          <a:chOff x="0" y="0"/>
+          <a:chExt cx="0" cy="0"/>
+        </a:xfrm>
+      </p:grpSpPr>
+      <p:pic>
+        <p:nvPicPr>
+          <p:cNvPr id="4" name="Picture 3">
+            <a:extLst>
+              <a:ext uri="{FF2B5EF4-FFF2-40B4-BE49-F238E27FC236}">
+                <a16:creationId xmlns:a16="http://schemas.microsoft.com/office/drawing/2014/main" id="{F2D9858D-573C-418A-940C-1758888239B7}"/>
+              </a:ext>
+            </a:extLst>
+          </p:cNvPr>
+          <p:cNvPicPr>
+            <a:picLocks noChangeAspect="1"/>
+          </p:cNvPicPr>
+          <p:nvPr/>
+        </p:nvPicPr>
+        <p:blipFill>
+          <a:blip r:embed="rId3"/>
+          <a:stretch>
+            <a:fillRect/>
+          </a:stretch>
+        </p:blipFill>
+        <p:spPr>
+          <a:xfrm>
+            <a:off x="-1" y="-22022"/>
+            <a:ext cx="9233871" cy="5165522"/>
+          </a:xfrm>
+          <a:prstGeom prst="rect">
+            <a:avLst/>
+          </a:prstGeom>
+        </p:spPr>
+      </p:pic>
+      <p:sp>
+        <p:nvSpPr>
+          <p:cNvPr id="78" name="Google Shape;78;p17"/>
+          <p:cNvSpPr txBox="1">
+            <a:spLocks noGrp="1"/>
+          </p:cNvSpPr>
+          <p:nvPr>
+            <p:ph type="title"/>
+          </p:nvPr>
+        </p:nvSpPr>
+        <p:spPr>
+          <a:xfrm>
+            <a:off x="182160" y="158675"/>
+            <a:ext cx="8520600" cy="572700"/>
+          </a:xfrm>
+          <a:prstGeom prst="rect">
+            <a:avLst/>
+          </a:prstGeom>
+        </p:spPr>
+        <p:txBody>
+          <a:bodyPr spcFirstLastPara="1" wrap="square" lIns="91425" tIns="91425" rIns="91425" bIns="91425" anchor="t" anchorCtr="0">
+            <a:noAutofit/>
+          </a:bodyPr>
+          <a:lstStyle/>
+          <a:p>
+            <a:pPr marL="0" lvl="0" indent="0" algn="l" rtl="0">
+              <a:spcBef>
+                <a:spcPts val="0"/>
+              </a:spcBef>
+              <a:spcAft>
+                <a:spcPts val="0"/>
+              </a:spcAft>
+              <a:buNone/>
+            </a:pPr>
+            <a:r>
+              <a:rPr lang="en" b="1" dirty="0">
+                <a:latin typeface="Avenir Next LT Pro" panose="020B0504020202020204" pitchFamily="34" charset="0"/>
+              </a:rPr>
+              <a:t>Component 1 Version 2 - Test Plan</a:t>
+            </a:r>
+            <a:endParaRPr b="1" dirty="0">
+              <a:latin typeface="Avenir Next LT Pro" panose="020B0504020202020204" pitchFamily="34" charset="0"/>
+            </a:endParaRPr>
+          </a:p>
+        </p:txBody>
+      </p:sp>
+      <p:graphicFrame>
+        <p:nvGraphicFramePr>
+          <p:cNvPr id="79" name="Google Shape;79;p17"/>
+          <p:cNvGraphicFramePr/>
+          <p:nvPr/>
+        </p:nvGraphicFramePr>
+        <p:xfrm>
+          <a:off x="311700" y="3604995"/>
+          <a:ext cx="8520600" cy="1462980"/>
+        </p:xfrm>
+        <a:graphic>
+          <a:graphicData uri="http://schemas.openxmlformats.org/drawingml/2006/table">
+            <a:tbl>
+              <a:tblPr>
+                <a:noFill/>
+                <a:tableStyleId>{E1099E06-0E6B-448D-9D27-60429F06E6F4}</a:tableStyleId>
+              </a:tblPr>
+              <a:tblGrid>
+                <a:gridCol w="4260300">
+                  <a:extLst>
+                    <a:ext uri="{9D8B030D-6E8A-4147-A177-3AD203B41FA5}">
+                      <a16:colId xmlns:a16="http://schemas.microsoft.com/office/drawing/2014/main" val="20000"/>
+                    </a:ext>
+                  </a:extLst>
+                </a:gridCol>
+                <a:gridCol w="4260300">
+                  <a:extLst>
+                    <a:ext uri="{9D8B030D-6E8A-4147-A177-3AD203B41FA5}">
+                      <a16:colId xmlns:a16="http://schemas.microsoft.com/office/drawing/2014/main" val="20001"/>
+                    </a:ext>
+                  </a:extLst>
+                </a:gridCol>
+              </a:tblGrid>
+              <a:tr h="381000">
+                <a:tc>
+                  <a:txBody>
+                    <a:bodyPr/>
+                    <a:lstStyle/>
+                    <a:p>
+                      <a:pPr marL="0" lvl="0" indent="0" algn="l" rtl="0">
+                        <a:spcBef>
+                          <a:spcPts val="0"/>
+                        </a:spcBef>
+                        <a:spcAft>
+                          <a:spcPts val="0"/>
+                        </a:spcAft>
+                        <a:buNone/>
+                      </a:pPr>
+                      <a:r>
+                        <a:rPr lang="en" sz="1800" b="1" dirty="0">
+                          <a:latin typeface="Avenir Next LT Pro" panose="020B0504020202020204" pitchFamily="34" charset="0"/>
+                        </a:rPr>
+                        <a:t>Test Case</a:t>
+                      </a:r>
+                      <a:endParaRPr sz="1800" b="1" dirty="0">
+                        <a:latin typeface="Avenir Next LT Pro" panose="020B0504020202020204" pitchFamily="34" charset="0"/>
+                      </a:endParaRPr>
+                    </a:p>
+                  </a:txBody>
+                  <a:tcPr marL="91425" marR="91425" marT="91425" marB="91425">
+                    <a:solidFill>
+                      <a:srgbClr val="CCCCCC"/>
+                    </a:solidFill>
+                  </a:tcPr>
+                </a:tc>
+                <a:tc>
+                  <a:txBody>
+                    <a:bodyPr/>
+                    <a:lstStyle/>
+                    <a:p>
+                      <a:pPr marL="0" lvl="0" indent="0" algn="l" rtl="0">
+                        <a:spcBef>
+                          <a:spcPts val="0"/>
+                        </a:spcBef>
+                        <a:spcAft>
+                          <a:spcPts val="0"/>
+                        </a:spcAft>
+                        <a:buNone/>
+                      </a:pPr>
+                      <a:r>
+                        <a:rPr lang="en" sz="1800" b="1" dirty="0">
+                          <a:latin typeface="Avenir Next LT Pro" panose="020B0504020202020204" pitchFamily="34" charset="0"/>
+                        </a:rPr>
+                        <a:t>Expected Values</a:t>
+                      </a:r>
+                      <a:endParaRPr sz="1800" b="1" dirty="0">
+                        <a:latin typeface="Avenir Next LT Pro" panose="020B0504020202020204" pitchFamily="34" charset="0"/>
+                      </a:endParaRPr>
+                    </a:p>
+                  </a:txBody>
+                  <a:tcPr marL="91425" marR="91425" marT="91425" marB="91425">
+                    <a:solidFill>
+                      <a:srgbClr val="CCCCCC"/>
+                    </a:solidFill>
+                  </a:tcPr>
+                </a:tc>
+                <a:extLst>
+                  <a:ext uri="{0D108BD9-81ED-4DB2-BD59-A6C34878D82A}">
+                    <a16:rowId xmlns:a16="http://schemas.microsoft.com/office/drawing/2014/main" val="10000"/>
+                  </a:ext>
+                </a:extLst>
+              </a:tr>
+              <a:tr h="396200">
+                <a:tc>
+                  <a:txBody>
+                    <a:bodyPr/>
+                    <a:lstStyle/>
+                    <a:p>
+                      <a:pPr marL="0" lvl="0" indent="0" algn="l" rtl="0">
+                        <a:spcBef>
+                          <a:spcPts val="0"/>
+                        </a:spcBef>
+                        <a:spcAft>
+                          <a:spcPts val="0"/>
+                        </a:spcAft>
+                        <a:buNone/>
+                      </a:pPr>
+                      <a:r>
+                        <a:rPr lang="en-NZ" sz="1800" dirty="0">
+                          <a:latin typeface="Avenir Next LT Pro" panose="020B0504020202020204" pitchFamily="34" charset="0"/>
+                        </a:rPr>
+                        <a:t>Run program</a:t>
+                      </a:r>
+                      <a:endParaRPr sz="1800" dirty="0">
+                        <a:latin typeface="Avenir Next LT Pro" panose="020B0504020202020204" pitchFamily="34" charset="0"/>
+                      </a:endParaRPr>
+                    </a:p>
+                  </a:txBody>
+                  <a:tcPr marL="91425" marR="91425" marT="91425" marB="91425"/>
+                </a:tc>
+                <a:tc>
+                  <a:txBody>
+                    <a:bodyPr/>
+                    <a:lstStyle/>
+                    <a:p>
+                      <a:pPr marL="0" lvl="0" indent="0" algn="l" rtl="0">
+                        <a:spcBef>
+                          <a:spcPts val="0"/>
+                        </a:spcBef>
+                        <a:spcAft>
+                          <a:spcPts val="0"/>
+                        </a:spcAft>
+                        <a:buNone/>
+                      </a:pPr>
+                      <a:r>
+                        <a:rPr lang="en-NZ" sz="1800" dirty="0">
+                          <a:latin typeface="Avenir Next LT Pro" panose="020B0504020202020204" pitchFamily="34" charset="0"/>
+                        </a:rPr>
+                        <a:t>Prints welcome message with random name from list of names – runs correctly</a:t>
+                      </a:r>
+                      <a:endParaRPr sz="1800" dirty="0">
+                        <a:latin typeface="Avenir Next LT Pro" panose="020B0504020202020204" pitchFamily="34" charset="0"/>
+                      </a:endParaRPr>
+                    </a:p>
+                  </a:txBody>
+                  <a:tcPr marL="91425" marR="91425" marT="91425" marB="91425"/>
+                </a:tc>
+                <a:extLst>
+                  <a:ext uri="{0D108BD9-81ED-4DB2-BD59-A6C34878D82A}">
+                    <a16:rowId xmlns:a16="http://schemas.microsoft.com/office/drawing/2014/main" val="10001"/>
+                  </a:ext>
+                </a:extLst>
+              </a:tr>
+            </a:tbl>
+          </a:graphicData>
+        </a:graphic>
+      </p:graphicFrame>
+      <p:pic>
+        <p:nvPicPr>
+          <p:cNvPr id="9" name="Picture 8">
+            <a:extLst>
+              <a:ext uri="{FF2B5EF4-FFF2-40B4-BE49-F238E27FC236}">
+                <a16:creationId xmlns:a16="http://schemas.microsoft.com/office/drawing/2014/main" id="{738755FF-7557-4E46-8767-E773EF9DD4CF}"/>
+              </a:ext>
+            </a:extLst>
+          </p:cNvPr>
+          <p:cNvPicPr>
+            <a:picLocks noChangeAspect="1"/>
+          </p:cNvPicPr>
+          <p:nvPr/>
+        </p:nvPicPr>
+        <p:blipFill>
+          <a:blip r:embed="rId4"/>
+          <a:stretch>
+            <a:fillRect/>
+          </a:stretch>
+        </p:blipFill>
+        <p:spPr>
+          <a:xfrm>
+            <a:off x="4338757" y="1589809"/>
+            <a:ext cx="4671155" cy="502172"/>
+          </a:xfrm>
+          <a:prstGeom prst="rect">
+            <a:avLst/>
+          </a:prstGeom>
+        </p:spPr>
+      </p:pic>
+      <p:pic>
+        <p:nvPicPr>
+          <p:cNvPr id="3" name="Picture 2">
+            <a:extLst>
+              <a:ext uri="{FF2B5EF4-FFF2-40B4-BE49-F238E27FC236}">
+                <a16:creationId xmlns:a16="http://schemas.microsoft.com/office/drawing/2014/main" id="{583DF091-E08A-44F4-9375-AE594DFA2083}"/>
+              </a:ext>
+            </a:extLst>
+          </p:cNvPr>
+          <p:cNvPicPr>
+            <a:picLocks noChangeAspect="1"/>
+          </p:cNvPicPr>
+          <p:nvPr/>
+        </p:nvPicPr>
+        <p:blipFill>
+          <a:blip r:embed="rId5"/>
+          <a:stretch>
+            <a:fillRect/>
+          </a:stretch>
+        </p:blipFill>
+        <p:spPr>
+          <a:xfrm>
+            <a:off x="311700" y="677317"/>
+            <a:ext cx="3935716" cy="2779296"/>
+          </a:xfrm>
+          <a:prstGeom prst="rect">
+            <a:avLst/>
+          </a:prstGeom>
+        </p:spPr>
+      </p:pic>
+    </p:spTree>
+    <p:extLst>
+      <p:ext uri="{BB962C8B-B14F-4D97-AF65-F5344CB8AC3E}">
+        <p14:creationId xmlns:p14="http://schemas.microsoft.com/office/powerpoint/2010/main" val="3990411387"/>
+      </p:ext>
+    </p:extLst>
+  </p:cSld>
+  <p:clrMapOvr>
+    <a:masterClrMapping/>
+  </p:clrMapOvr>
+</p:sld>
+</file>
+
+<file path=ppt/slides/slide18.xml><?xml version="1.0" encoding="utf-8"?>
+<p:sld xmlns:a="http://schemas.openxmlformats.org/drawingml/2006/main" xmlns:r="http://schemas.openxmlformats.org/officeDocument/2006/relationships" xmlns:p="http://schemas.openxmlformats.org/presentationml/2006/main">
+  <p:cSld>
     <p:bg>
       <p:bgPr>
         <a:solidFill>
@@ -9536,10 +10057,14 @@
               <a:buNone/>
             </a:pPr>
             <a:r>
-              <a:rPr lang="en" dirty="0"/>
+              <a:rPr lang="en" b="1" dirty="0">
+                <a:latin typeface="Avenir Next LT Pro" panose="020B0504020202020204" pitchFamily="34" charset="0"/>
+              </a:rPr>
               <a:t>Component 2 (Trello screenshot)</a:t>
             </a:r>
-            <a:endParaRPr dirty="0"/>
+            <a:endParaRPr b="1" dirty="0">
+              <a:latin typeface="Avenir Next LT Pro" panose="020B0504020202020204" pitchFamily="34" charset="0"/>
+            </a:endParaRPr>
           </a:p>
         </p:txBody>
       </p:sp>
@@ -9556,7 +10081,7 @@
 </p:sld>
 </file>
 
-<file path=ppt/slides/slide18.xml><?xml version="1.0" encoding="utf-8"?>
+<file path=ppt/slides/slide19.xml><?xml version="1.0" encoding="utf-8"?>
 <p:sld xmlns:a="http://schemas.openxmlformats.org/drawingml/2006/main" xmlns:r="http://schemas.openxmlformats.org/officeDocument/2006/relationships" xmlns:p="http://schemas.openxmlformats.org/presentationml/2006/main">
   <p:cSld>
     <p:spTree>
@@ -9771,86 +10296,6 @@
 </p:sld>
 </file>
 
-<file path=ppt/slides/slide19.xml><?xml version="1.0" encoding="utf-8"?>
-<p:sld xmlns:a="http://schemas.openxmlformats.org/drawingml/2006/main" xmlns:r="http://schemas.openxmlformats.org/officeDocument/2006/relationships" xmlns:p="http://schemas.openxmlformats.org/presentationml/2006/main">
-  <p:cSld>
-    <p:bg>
-      <p:bgPr>
-        <a:solidFill>
-          <a:srgbClr val="D9EAD3"/>
-        </a:solidFill>
-        <a:effectLst/>
-      </p:bgPr>
-    </p:bg>
-    <p:spTree>
-      <p:nvGrpSpPr>
-        <p:cNvPr id="1" name="Shape 72"/>
-        <p:cNvGrpSpPr/>
-        <p:nvPr/>
-      </p:nvGrpSpPr>
-      <p:grpSpPr>
-        <a:xfrm>
-          <a:off x="0" y="0"/>
-          <a:ext cx="0" cy="0"/>
-          <a:chOff x="0" y="0"/>
-          <a:chExt cx="0" cy="0"/>
-        </a:xfrm>
-      </p:grpSpPr>
-      <p:sp>
-        <p:nvSpPr>
-          <p:cNvPr id="73" name="Google Shape;73;p16"/>
-          <p:cNvSpPr txBox="1">
-            <a:spLocks noGrp="1"/>
-          </p:cNvSpPr>
-          <p:nvPr>
-            <p:ph type="title"/>
-          </p:nvPr>
-        </p:nvSpPr>
-        <p:spPr>
-          <a:xfrm>
-            <a:off x="311700" y="445025"/>
-            <a:ext cx="8520600" cy="572700"/>
-          </a:xfrm>
-          <a:prstGeom prst="rect">
-            <a:avLst/>
-          </a:prstGeom>
-        </p:spPr>
-        <p:txBody>
-          <a:bodyPr spcFirstLastPara="1" wrap="square" lIns="91425" tIns="91425" rIns="91425" bIns="91425" anchor="t" anchorCtr="0">
-            <a:noAutofit/>
-          </a:bodyPr>
-          <a:lstStyle/>
-          <a:p>
-            <a:pPr marL="0" lvl="0" indent="0" algn="l" rtl="0">
-              <a:spcBef>
-                <a:spcPts val="0"/>
-              </a:spcBef>
-              <a:spcAft>
-                <a:spcPts val="0"/>
-              </a:spcAft>
-              <a:buNone/>
-            </a:pPr>
-            <a:r>
-              <a:rPr lang="en" dirty="0"/>
-              <a:t>Component 3 (Trello screenshot)</a:t>
-            </a:r>
-            <a:endParaRPr dirty="0"/>
-          </a:p>
-        </p:txBody>
-      </p:sp>
-    </p:spTree>
-    <p:extLst>
-      <p:ext uri="{BB962C8B-B14F-4D97-AF65-F5344CB8AC3E}">
-        <p14:creationId xmlns:p14="http://schemas.microsoft.com/office/powerpoint/2010/main" val="3443263372"/>
-      </p:ext>
-    </p:extLst>
-  </p:cSld>
-  <p:clrMapOvr>
-    <a:masterClrMapping/>
-  </p:clrMapOvr>
-</p:sld>
-</file>
-
 <file path=ppt/slides/slide2.xml><?xml version="1.0" encoding="utf-8"?>
 <p:sld xmlns:a="http://schemas.openxmlformats.org/drawingml/2006/main" xmlns:r="http://schemas.openxmlformats.org/officeDocument/2006/relationships" xmlns:p="http://schemas.openxmlformats.org/presentationml/2006/main">
   <p:cSld>
@@ -10072,6 +10517,86 @@
 </file>
 
 <file path=ppt/slides/slide20.xml><?xml version="1.0" encoding="utf-8"?>
+<p:sld xmlns:a="http://schemas.openxmlformats.org/drawingml/2006/main" xmlns:r="http://schemas.openxmlformats.org/officeDocument/2006/relationships" xmlns:p="http://schemas.openxmlformats.org/presentationml/2006/main">
+  <p:cSld>
+    <p:bg>
+      <p:bgPr>
+        <a:solidFill>
+          <a:srgbClr val="D9EAD3"/>
+        </a:solidFill>
+        <a:effectLst/>
+      </p:bgPr>
+    </p:bg>
+    <p:spTree>
+      <p:nvGrpSpPr>
+        <p:cNvPr id="1" name="Shape 72"/>
+        <p:cNvGrpSpPr/>
+        <p:nvPr/>
+      </p:nvGrpSpPr>
+      <p:grpSpPr>
+        <a:xfrm>
+          <a:off x="0" y="0"/>
+          <a:ext cx="0" cy="0"/>
+          <a:chOff x="0" y="0"/>
+          <a:chExt cx="0" cy="0"/>
+        </a:xfrm>
+      </p:grpSpPr>
+      <p:sp>
+        <p:nvSpPr>
+          <p:cNvPr id="73" name="Google Shape;73;p16"/>
+          <p:cNvSpPr txBox="1">
+            <a:spLocks noGrp="1"/>
+          </p:cNvSpPr>
+          <p:nvPr>
+            <p:ph type="title"/>
+          </p:nvPr>
+        </p:nvSpPr>
+        <p:spPr>
+          <a:xfrm>
+            <a:off x="311700" y="445025"/>
+            <a:ext cx="8520600" cy="572700"/>
+          </a:xfrm>
+          <a:prstGeom prst="rect">
+            <a:avLst/>
+          </a:prstGeom>
+        </p:spPr>
+        <p:txBody>
+          <a:bodyPr spcFirstLastPara="1" wrap="square" lIns="91425" tIns="91425" rIns="91425" bIns="91425" anchor="t" anchorCtr="0">
+            <a:noAutofit/>
+          </a:bodyPr>
+          <a:lstStyle/>
+          <a:p>
+            <a:pPr marL="0" lvl="0" indent="0" algn="l" rtl="0">
+              <a:spcBef>
+                <a:spcPts val="0"/>
+              </a:spcBef>
+              <a:spcAft>
+                <a:spcPts val="0"/>
+              </a:spcAft>
+              <a:buNone/>
+            </a:pPr>
+            <a:r>
+              <a:rPr lang="en" dirty="0"/>
+              <a:t>Component 3 (Trello screenshot)</a:t>
+            </a:r>
+            <a:endParaRPr dirty="0"/>
+          </a:p>
+        </p:txBody>
+      </p:sp>
+    </p:spTree>
+    <p:extLst>
+      <p:ext uri="{BB962C8B-B14F-4D97-AF65-F5344CB8AC3E}">
+        <p14:creationId xmlns:p14="http://schemas.microsoft.com/office/powerpoint/2010/main" val="3443263372"/>
+      </p:ext>
+    </p:extLst>
+  </p:cSld>
+  <p:clrMapOvr>
+    <a:masterClrMapping/>
+  </p:clrMapOvr>
+</p:sld>
+</file>
+
+<file path=ppt/slides/slide21.xml><?xml version="1.0" encoding="utf-8"?>
 <p:sld xmlns:a="http://schemas.openxmlformats.org/drawingml/2006/main" xmlns:r="http://schemas.openxmlformats.org/officeDocument/2006/relationships" xmlns:p="http://schemas.openxmlformats.org/presentationml/2006/main">
   <p:cSld>
     <p:spTree>
@@ -10286,7 +10811,7 @@
 </p:sld>
 </file>
 
-<file path=ppt/slides/slide21.xml><?xml version="1.0" encoding="utf-8"?>
+<file path=ppt/slides/slide22.xml><?xml version="1.0" encoding="utf-8"?>
 <p:sld xmlns:a="http://schemas.openxmlformats.org/drawingml/2006/main" xmlns:r="http://schemas.openxmlformats.org/officeDocument/2006/relationships" xmlns:p="http://schemas.openxmlformats.org/presentationml/2006/main">
   <p:cSld>
     <p:bg>
@@ -10366,7 +10891,7 @@
 </p:sld>
 </file>
 
-<file path=ppt/slides/slide22.xml><?xml version="1.0" encoding="utf-8"?>
+<file path=ppt/slides/slide23.xml><?xml version="1.0" encoding="utf-8"?>
 <p:sld xmlns:a="http://schemas.openxmlformats.org/drawingml/2006/main" xmlns:r="http://schemas.openxmlformats.org/officeDocument/2006/relationships" xmlns:p="http://schemas.openxmlformats.org/presentationml/2006/main">
   <p:cSld>
     <p:spTree>
@@ -10581,7 +11106,7 @@
 </p:sld>
 </file>
 
-<file path=ppt/slides/slide23.xml><?xml version="1.0" encoding="utf-8"?>
+<file path=ppt/slides/slide24.xml><?xml version="1.0" encoding="utf-8"?>
 <p:sld xmlns:a="http://schemas.openxmlformats.org/drawingml/2006/main" xmlns:r="http://schemas.openxmlformats.org/officeDocument/2006/relationships" xmlns:p="http://schemas.openxmlformats.org/presentationml/2006/main">
   <p:cSld>
     <p:bg>
@@ -10661,7 +11186,7 @@
 </p:sld>
 </file>
 
-<file path=ppt/slides/slide24.xml><?xml version="1.0" encoding="utf-8"?>
+<file path=ppt/slides/slide25.xml><?xml version="1.0" encoding="utf-8"?>
 <p:sld xmlns:a="http://schemas.openxmlformats.org/drawingml/2006/main" xmlns:r="http://schemas.openxmlformats.org/officeDocument/2006/relationships" xmlns:p="http://schemas.openxmlformats.org/presentationml/2006/main">
   <p:cSld>
     <p:spTree>
@@ -10876,7 +11401,7 @@
 </p:sld>
 </file>
 
-<file path=ppt/slides/slide25.xml><?xml version="1.0" encoding="utf-8"?>
+<file path=ppt/slides/slide26.xml><?xml version="1.0" encoding="utf-8"?>
 <p:sld xmlns:a="http://schemas.openxmlformats.org/drawingml/2006/main" xmlns:r="http://schemas.openxmlformats.org/officeDocument/2006/relationships" xmlns:p="http://schemas.openxmlformats.org/presentationml/2006/main">
   <p:cSld>
     <p:bg>
@@ -10956,7 +11481,7 @@
 </p:sld>
 </file>
 
-<file path=ppt/slides/slide26.xml><?xml version="1.0" encoding="utf-8"?>
+<file path=ppt/slides/slide27.xml><?xml version="1.0" encoding="utf-8"?>
 <p:sld xmlns:a="http://schemas.openxmlformats.org/drawingml/2006/main" xmlns:r="http://schemas.openxmlformats.org/officeDocument/2006/relationships" xmlns:p="http://schemas.openxmlformats.org/presentationml/2006/main">
   <p:cSld>
     <p:spTree>
@@ -11171,7 +11696,7 @@
 </p:sld>
 </file>
 
-<file path=ppt/slides/slide27.xml><?xml version="1.0" encoding="utf-8"?>
+<file path=ppt/slides/slide28.xml><?xml version="1.0" encoding="utf-8"?>
 <p:sld xmlns:a="http://schemas.openxmlformats.org/drawingml/2006/main" xmlns:r="http://schemas.openxmlformats.org/officeDocument/2006/relationships" xmlns:p="http://schemas.openxmlformats.org/presentationml/2006/main">
   <p:cSld>
     <p:bg>
@@ -11264,77 +11789,6 @@
     <p:extLst>
       <p:ext uri="{BB962C8B-B14F-4D97-AF65-F5344CB8AC3E}">
         <p14:creationId xmlns:p14="http://schemas.microsoft.com/office/powerpoint/2010/main" val="146530540"/>
-      </p:ext>
-    </p:extLst>
-  </p:cSld>
-  <p:clrMapOvr>
-    <a:masterClrMapping/>
-  </p:clrMapOvr>
-</p:sld>
-</file>
-
-<file path=ppt/slides/slide28.xml><?xml version="1.0" encoding="utf-8"?>
-<p:sld xmlns:a="http://schemas.openxmlformats.org/drawingml/2006/main" xmlns:r="http://schemas.openxmlformats.org/officeDocument/2006/relationships" xmlns:p="http://schemas.openxmlformats.org/presentationml/2006/main">
-  <p:cSld>
-    <p:bg>
-      <p:bgPr>
-        <a:solidFill>
-          <a:srgbClr val="D9EAD3"/>
-        </a:solidFill>
-        <a:effectLst/>
-      </p:bgPr>
-    </p:bg>
-    <p:spTree>
-      <p:nvGrpSpPr>
-        <p:cNvPr id="1" name="Shape 72"/>
-        <p:cNvGrpSpPr/>
-        <p:nvPr/>
-      </p:nvGrpSpPr>
-      <p:grpSpPr>
-        <a:xfrm>
-          <a:off x="0" y="0"/>
-          <a:ext cx="0" cy="0"/>
-          <a:chOff x="0" y="0"/>
-          <a:chExt cx="0" cy="0"/>
-        </a:xfrm>
-      </p:grpSpPr>
-      <p:sp>
-        <p:nvSpPr>
-          <p:cNvPr id="73" name="Google Shape;73;p16"/>
-          <p:cNvSpPr txBox="1">
-            <a:spLocks noGrp="1"/>
-          </p:cNvSpPr>
-          <p:nvPr>
-            <p:ph type="title"/>
-          </p:nvPr>
-        </p:nvSpPr>
-        <p:spPr>
-          <a:xfrm>
-            <a:off x="311700" y="445025"/>
-            <a:ext cx="8520600" cy="1098739"/>
-          </a:xfrm>
-          <a:prstGeom prst="rect">
-            <a:avLst/>
-          </a:prstGeom>
-        </p:spPr>
-        <p:txBody>
-          <a:bodyPr spcFirstLastPara="1" wrap="square" lIns="91425" tIns="91425" rIns="91425" bIns="91425" anchor="t" anchorCtr="0">
-            <a:noAutofit/>
-          </a:bodyPr>
-          <a:lstStyle/>
-          <a:p>
-            <a:r>
-              <a:rPr lang="en" dirty="0"/>
-              <a:t>Functional Testing (Screenshot and explain how you tested your program – use the testing template)</a:t>
-            </a:r>
-            <a:endParaRPr dirty="0"/>
-          </a:p>
-        </p:txBody>
-      </p:sp>
-    </p:spTree>
-    <p:extLst>
-      <p:ext uri="{BB962C8B-B14F-4D97-AF65-F5344CB8AC3E}">
-        <p14:creationId xmlns:p14="http://schemas.microsoft.com/office/powerpoint/2010/main" val="1781413307"/>
       </p:ext>
     </p:extLst>
   </p:cSld>
@@ -11396,15 +11850,16 @@
           <a:p>
             <a:r>
               <a:rPr lang="en" dirty="0"/>
-              <a:t>Using evidence of testing show how you refined your program (duplicate slides)</a:t>
+              <a:t>Functional Testing (Screenshot and explain how you tested your program – use the testing template)</a:t>
             </a:r>
+            <a:endParaRPr dirty="0"/>
           </a:p>
         </p:txBody>
       </p:sp>
     </p:spTree>
     <p:extLst>
       <p:ext uri="{BB962C8B-B14F-4D97-AF65-F5344CB8AC3E}">
-        <p14:creationId xmlns:p14="http://schemas.microsoft.com/office/powerpoint/2010/main" val="3394932069"/>
+        <p14:creationId xmlns:p14="http://schemas.microsoft.com/office/powerpoint/2010/main" val="1781413307"/>
       </p:ext>
     </p:extLst>
   </p:cSld>
@@ -11667,16 +12122,15 @@
           <a:p>
             <a:r>
               <a:rPr lang="en" dirty="0"/>
-              <a:t>User Testing (Screenshot and show feedback from a range of users/testers)</a:t>
+              <a:t>Using evidence of testing show how you refined your program (duplicate slides)</a:t>
             </a:r>
-            <a:endParaRPr dirty="0"/>
           </a:p>
         </p:txBody>
       </p:sp>
     </p:spTree>
     <p:extLst>
       <p:ext uri="{BB962C8B-B14F-4D97-AF65-F5344CB8AC3E}">
-        <p14:creationId xmlns:p14="http://schemas.microsoft.com/office/powerpoint/2010/main" val="2712176924"/>
+        <p14:creationId xmlns:p14="http://schemas.microsoft.com/office/powerpoint/2010/main" val="3394932069"/>
       </p:ext>
     </p:extLst>
   </p:cSld>
@@ -11738,6 +12192,77 @@
           <a:p>
             <a:r>
               <a:rPr lang="en" dirty="0"/>
+              <a:t>User Testing (Screenshot and show feedback from a range of users/testers)</a:t>
+            </a:r>
+            <a:endParaRPr dirty="0"/>
+          </a:p>
+        </p:txBody>
+      </p:sp>
+    </p:spTree>
+    <p:extLst>
+      <p:ext uri="{BB962C8B-B14F-4D97-AF65-F5344CB8AC3E}">
+        <p14:creationId xmlns:p14="http://schemas.microsoft.com/office/powerpoint/2010/main" val="2712176924"/>
+      </p:ext>
+    </p:extLst>
+  </p:cSld>
+  <p:clrMapOvr>
+    <a:masterClrMapping/>
+  </p:clrMapOvr>
+</p:sld>
+</file>
+
+<file path=ppt/slides/slide32.xml><?xml version="1.0" encoding="utf-8"?>
+<p:sld xmlns:a="http://schemas.openxmlformats.org/drawingml/2006/main" xmlns:r="http://schemas.openxmlformats.org/officeDocument/2006/relationships" xmlns:p="http://schemas.openxmlformats.org/presentationml/2006/main">
+  <p:cSld>
+    <p:bg>
+      <p:bgPr>
+        <a:solidFill>
+          <a:srgbClr val="D9EAD3"/>
+        </a:solidFill>
+        <a:effectLst/>
+      </p:bgPr>
+    </p:bg>
+    <p:spTree>
+      <p:nvGrpSpPr>
+        <p:cNvPr id="1" name="Shape 72"/>
+        <p:cNvGrpSpPr/>
+        <p:nvPr/>
+      </p:nvGrpSpPr>
+      <p:grpSpPr>
+        <a:xfrm>
+          <a:off x="0" y="0"/>
+          <a:ext cx="0" cy="0"/>
+          <a:chOff x="0" y="0"/>
+          <a:chExt cx="0" cy="0"/>
+        </a:xfrm>
+      </p:grpSpPr>
+      <p:sp>
+        <p:nvSpPr>
+          <p:cNvPr id="73" name="Google Shape;73;p16"/>
+          <p:cNvSpPr txBox="1">
+            <a:spLocks noGrp="1"/>
+          </p:cNvSpPr>
+          <p:nvPr>
+            <p:ph type="title"/>
+          </p:nvPr>
+        </p:nvSpPr>
+        <p:spPr>
+          <a:xfrm>
+            <a:off x="311700" y="445025"/>
+            <a:ext cx="8520600" cy="1098739"/>
+          </a:xfrm>
+          <a:prstGeom prst="rect">
+            <a:avLst/>
+          </a:prstGeom>
+        </p:spPr>
+        <p:txBody>
+          <a:bodyPr spcFirstLastPara="1" wrap="square" lIns="91425" tIns="91425" rIns="91425" bIns="91425" anchor="t" anchorCtr="0">
+            <a:noAutofit/>
+          </a:bodyPr>
+          <a:lstStyle/>
+          <a:p>
+            <a:r>
+              <a:rPr lang="en" dirty="0"/>
               <a:t>Using evidence of user feedback show how you refined your program (duplicate slides)</a:t>
             </a:r>
           </a:p>
@@ -11756,7 +12281,7 @@
 </p:sld>
 </file>
 
-<file path=ppt/slides/slide32.xml><?xml version="1.0" encoding="utf-8"?>
+<file path=ppt/slides/slide33.xml><?xml version="1.0" encoding="utf-8"?>
 <p:sld xmlns:a="http://schemas.openxmlformats.org/drawingml/2006/main" xmlns:r="http://schemas.openxmlformats.org/officeDocument/2006/relationships" xmlns:p="http://schemas.openxmlformats.org/presentationml/2006/main">
   <p:cSld>
     <p:bg>
@@ -11858,7 +12383,7 @@
 </p:sld>
 </file>
 
-<file path=ppt/slides/slide33.xml><?xml version="1.0" encoding="utf-8"?>
+<file path=ppt/slides/slide34.xml><?xml version="1.0" encoding="utf-8"?>
 <p:sld xmlns:a="http://schemas.openxmlformats.org/drawingml/2006/main" xmlns:r="http://schemas.openxmlformats.org/officeDocument/2006/relationships" xmlns:p="http://schemas.openxmlformats.org/presentationml/2006/main">
   <p:cSld>
     <p:bg>
@@ -11975,7 +12500,7 @@
 </p:sld>
 </file>
 
-<file path=ppt/slides/slide34.xml><?xml version="1.0" encoding="utf-8"?>
+<file path=ppt/slides/slide35.xml><?xml version="1.0" encoding="utf-8"?>
 <p:sld xmlns:a="http://schemas.openxmlformats.org/drawingml/2006/main" xmlns:r="http://schemas.openxmlformats.org/officeDocument/2006/relationships" xmlns:p="http://schemas.openxmlformats.org/presentationml/2006/main">
   <p:cSld>
     <p:bg>
@@ -12072,128 +12597,6 @@
     <p:extLst>
       <p:ext uri="{BB962C8B-B14F-4D97-AF65-F5344CB8AC3E}">
         <p14:creationId xmlns:p14="http://schemas.microsoft.com/office/powerpoint/2010/main" val="1602139299"/>
-      </p:ext>
-    </p:extLst>
-  </p:cSld>
-  <p:clrMapOvr>
-    <a:masterClrMapping/>
-  </p:clrMapOvr>
-</p:sld>
-</file>
-
-<file path=ppt/slides/slide35.xml><?xml version="1.0" encoding="utf-8"?>
-<p:sld xmlns:a="http://schemas.openxmlformats.org/drawingml/2006/main" xmlns:r="http://schemas.openxmlformats.org/officeDocument/2006/relationships" xmlns:p="http://schemas.openxmlformats.org/presentationml/2006/main">
-  <p:cSld>
-    <p:bg>
-      <p:bgPr>
-        <a:solidFill>
-          <a:srgbClr val="D9EAD3"/>
-        </a:solidFill>
-        <a:effectLst/>
-      </p:bgPr>
-    </p:bg>
-    <p:spTree>
-      <p:nvGrpSpPr>
-        <p:cNvPr id="1" name="Shape 83"/>
-        <p:cNvGrpSpPr/>
-        <p:nvPr/>
-      </p:nvGrpSpPr>
-      <p:grpSpPr>
-        <a:xfrm>
-          <a:off x="0" y="0"/>
-          <a:ext cx="0" cy="0"/>
-          <a:chOff x="0" y="0"/>
-          <a:chExt cx="0" cy="0"/>
-        </a:xfrm>
-      </p:grpSpPr>
-      <p:sp>
-        <p:nvSpPr>
-          <p:cNvPr id="84" name="Google Shape;84;p18"/>
-          <p:cNvSpPr txBox="1">
-            <a:spLocks noGrp="1"/>
-          </p:cNvSpPr>
-          <p:nvPr>
-            <p:ph type="title"/>
-          </p:nvPr>
-        </p:nvSpPr>
-        <p:spPr>
-          <a:xfrm>
-            <a:off x="311700" y="445025"/>
-            <a:ext cx="8520600" cy="572700"/>
-          </a:xfrm>
-          <a:prstGeom prst="rect">
-            <a:avLst/>
-          </a:prstGeom>
-        </p:spPr>
-        <p:txBody>
-          <a:bodyPr spcFirstLastPara="1" wrap="square" lIns="91425" tIns="91425" rIns="91425" bIns="91425" anchor="t" anchorCtr="0">
-            <a:noAutofit/>
-          </a:bodyPr>
-          <a:lstStyle/>
-          <a:p>
-            <a:pPr marL="0" lvl="0" indent="0" algn="l" rtl="0">
-              <a:spcBef>
-                <a:spcPts val="0"/>
-              </a:spcBef>
-              <a:spcAft>
-                <a:spcPts val="0"/>
-              </a:spcAft>
-              <a:buNone/>
-            </a:pPr>
-            <a:r>
-              <a:rPr lang="en-NZ" dirty="0"/>
-              <a:t>Python convention testing (PEP8)</a:t>
-            </a:r>
-            <a:endParaRPr dirty="0"/>
-          </a:p>
-        </p:txBody>
-      </p:sp>
-      <p:sp>
-        <p:nvSpPr>
-          <p:cNvPr id="85" name="Google Shape;85;p18"/>
-          <p:cNvSpPr txBox="1">
-            <a:spLocks noGrp="1"/>
-          </p:cNvSpPr>
-          <p:nvPr>
-            <p:ph type="body" idx="1"/>
-          </p:nvPr>
-        </p:nvSpPr>
-        <p:spPr>
-          <a:xfrm>
-            <a:off x="311700" y="1152475"/>
-            <a:ext cx="8464200" cy="3739200"/>
-          </a:xfrm>
-          <a:prstGeom prst="rect">
-            <a:avLst/>
-          </a:prstGeom>
-        </p:spPr>
-        <p:txBody>
-          <a:bodyPr spcFirstLastPara="1" wrap="square" lIns="91425" tIns="91425" rIns="91425" bIns="91425" anchor="t" anchorCtr="0">
-            <a:noAutofit/>
-          </a:bodyPr>
-          <a:lstStyle/>
-          <a:p>
-            <a:pPr marL="0" lvl="0" indent="0" algn="l" rtl="0">
-              <a:spcBef>
-                <a:spcPts val="0"/>
-              </a:spcBef>
-              <a:spcAft>
-                <a:spcPts val="1600"/>
-              </a:spcAft>
-              <a:buNone/>
-            </a:pPr>
-            <a:r>
-              <a:rPr lang="en-NZ" i="1" dirty="0"/>
-              <a:t>Screenshot of errors</a:t>
-            </a:r>
-            <a:endParaRPr i="1" dirty="0"/>
-          </a:p>
-        </p:txBody>
-      </p:sp>
-    </p:spTree>
-    <p:extLst>
-      <p:ext uri="{BB962C8B-B14F-4D97-AF65-F5344CB8AC3E}">
-        <p14:creationId xmlns:p14="http://schemas.microsoft.com/office/powerpoint/2010/main" val="2203232476"/>
       </p:ext>
     </p:extLst>
   </p:cSld>
@@ -12306,6 +12709,128 @@
             </a:pPr>
             <a:r>
               <a:rPr lang="en-NZ" i="1" dirty="0"/>
+              <a:t>Screenshot of errors</a:t>
+            </a:r>
+            <a:endParaRPr i="1" dirty="0"/>
+          </a:p>
+        </p:txBody>
+      </p:sp>
+    </p:spTree>
+    <p:extLst>
+      <p:ext uri="{BB962C8B-B14F-4D97-AF65-F5344CB8AC3E}">
+        <p14:creationId xmlns:p14="http://schemas.microsoft.com/office/powerpoint/2010/main" val="2203232476"/>
+      </p:ext>
+    </p:extLst>
+  </p:cSld>
+  <p:clrMapOvr>
+    <a:masterClrMapping/>
+  </p:clrMapOvr>
+</p:sld>
+</file>
+
+<file path=ppt/slides/slide37.xml><?xml version="1.0" encoding="utf-8"?>
+<p:sld xmlns:a="http://schemas.openxmlformats.org/drawingml/2006/main" xmlns:r="http://schemas.openxmlformats.org/officeDocument/2006/relationships" xmlns:p="http://schemas.openxmlformats.org/presentationml/2006/main">
+  <p:cSld>
+    <p:bg>
+      <p:bgPr>
+        <a:solidFill>
+          <a:srgbClr val="D9EAD3"/>
+        </a:solidFill>
+        <a:effectLst/>
+      </p:bgPr>
+    </p:bg>
+    <p:spTree>
+      <p:nvGrpSpPr>
+        <p:cNvPr id="1" name="Shape 83"/>
+        <p:cNvGrpSpPr/>
+        <p:nvPr/>
+      </p:nvGrpSpPr>
+      <p:grpSpPr>
+        <a:xfrm>
+          <a:off x="0" y="0"/>
+          <a:ext cx="0" cy="0"/>
+          <a:chOff x="0" y="0"/>
+          <a:chExt cx="0" cy="0"/>
+        </a:xfrm>
+      </p:grpSpPr>
+      <p:sp>
+        <p:nvSpPr>
+          <p:cNvPr id="84" name="Google Shape;84;p18"/>
+          <p:cNvSpPr txBox="1">
+            <a:spLocks noGrp="1"/>
+          </p:cNvSpPr>
+          <p:nvPr>
+            <p:ph type="title"/>
+          </p:nvPr>
+        </p:nvSpPr>
+        <p:spPr>
+          <a:xfrm>
+            <a:off x="311700" y="445025"/>
+            <a:ext cx="8520600" cy="572700"/>
+          </a:xfrm>
+          <a:prstGeom prst="rect">
+            <a:avLst/>
+          </a:prstGeom>
+        </p:spPr>
+        <p:txBody>
+          <a:bodyPr spcFirstLastPara="1" wrap="square" lIns="91425" tIns="91425" rIns="91425" bIns="91425" anchor="t" anchorCtr="0">
+            <a:noAutofit/>
+          </a:bodyPr>
+          <a:lstStyle/>
+          <a:p>
+            <a:pPr marL="0" lvl="0" indent="0" algn="l" rtl="0">
+              <a:spcBef>
+                <a:spcPts val="0"/>
+              </a:spcBef>
+              <a:spcAft>
+                <a:spcPts val="0"/>
+              </a:spcAft>
+              <a:buNone/>
+            </a:pPr>
+            <a:r>
+              <a:rPr lang="en-NZ" dirty="0"/>
+              <a:t>Python convention testing (PEP8)</a:t>
+            </a:r>
+            <a:endParaRPr dirty="0"/>
+          </a:p>
+        </p:txBody>
+      </p:sp>
+      <p:sp>
+        <p:nvSpPr>
+          <p:cNvPr id="85" name="Google Shape;85;p18"/>
+          <p:cNvSpPr txBox="1">
+            <a:spLocks noGrp="1"/>
+          </p:cNvSpPr>
+          <p:nvPr>
+            <p:ph type="body" idx="1"/>
+          </p:nvPr>
+        </p:nvSpPr>
+        <p:spPr>
+          <a:xfrm>
+            <a:off x="311700" y="1152475"/>
+            <a:ext cx="8464200" cy="3739200"/>
+          </a:xfrm>
+          <a:prstGeom prst="rect">
+            <a:avLst/>
+          </a:prstGeom>
+        </p:spPr>
+        <p:txBody>
+          <a:bodyPr spcFirstLastPara="1" wrap="square" lIns="91425" tIns="91425" rIns="91425" bIns="91425" anchor="t" anchorCtr="0">
+            <a:noAutofit/>
+          </a:bodyPr>
+          <a:lstStyle/>
+          <a:p>
+            <a:pPr marL="0" lvl="0" indent="0" algn="l" rtl="0">
+              <a:spcBef>
+                <a:spcPts val="0"/>
+              </a:spcBef>
+              <a:spcAft>
+                <a:spcPts val="1600"/>
+              </a:spcAft>
+              <a:buNone/>
+            </a:pPr>
+            <a:r>
+              <a:rPr lang="en-NZ" i="1" dirty="0"/>
               <a:t>Screenshot after errors fixed</a:t>
             </a:r>
             <a:endParaRPr i="1" dirty="0"/>
@@ -12325,7 +12850,7 @@
 </p:sld>
 </file>
 
-<file path=ppt/slides/slide37.xml><?xml version="1.0" encoding="utf-8"?>
+<file path=ppt/slides/slide38.xml><?xml version="1.0" encoding="utf-8"?>
 <p:sld xmlns:a="http://schemas.openxmlformats.org/drawingml/2006/main" xmlns:r="http://schemas.openxmlformats.org/officeDocument/2006/relationships" xmlns:p="http://schemas.openxmlformats.org/presentationml/2006/main">
   <p:cSld>
     <p:bg>
